--- a/Chapter29/bfs.pptx
+++ b/Chapter29/bfs.pptx
@@ -5,16 +5,23 @@
     <p:sldMasterId id="2147483648" r:id="rId1"/>
   </p:sldMasterIdLst>
   <p:notesMasterIdLst>
-    <p:notesMasterId r:id="rId9"/>
+    <p:notesMasterId r:id="rId16"/>
   </p:notesMasterIdLst>
   <p:sldIdLst>
     <p:sldId id="256" r:id="rId2"/>
     <p:sldId id="260" r:id="rId3"/>
-    <p:sldId id="257" r:id="rId4"/>
-    <p:sldId id="258" r:id="rId5"/>
-    <p:sldId id="262" r:id="rId6"/>
-    <p:sldId id="259" r:id="rId7"/>
-    <p:sldId id="261" r:id="rId8"/>
+    <p:sldId id="269" r:id="rId4"/>
+    <p:sldId id="257" r:id="rId5"/>
+    <p:sldId id="258" r:id="rId6"/>
+    <p:sldId id="262" r:id="rId7"/>
+    <p:sldId id="259" r:id="rId8"/>
+    <p:sldId id="261" r:id="rId9"/>
+    <p:sldId id="264" r:id="rId10"/>
+    <p:sldId id="265" r:id="rId11"/>
+    <p:sldId id="263" r:id="rId12"/>
+    <p:sldId id="266" r:id="rId13"/>
+    <p:sldId id="267" r:id="rId14"/>
+    <p:sldId id="268" r:id="rId15"/>
   </p:sldIdLst>
   <p:sldSz cx="12192000" cy="6858000"/>
   <p:notesSz cx="6858000" cy="9144000"/>
@@ -2448,7 +2455,7 @@
           <a:p>
             <a:fld id="{7D332E29-3806-9D43-8898-A13C504E3F15}" type="slidenum">
               <a:rPr kumimoji="1" lang="ko-KR" altLang="en-US" smtClean="0"/>
-              <a:t>5</a:t>
+              <a:t>6</a:t>
             </a:fld>
             <a:endParaRPr kumimoji="1" lang="ko-KR" altLang="en-US"/>
           </a:p>
@@ -2568,7 +2575,7 @@
           <a:p>
             <a:fld id="{7D332E29-3806-9D43-8898-A13C504E3F15}" type="slidenum">
               <a:rPr kumimoji="1" lang="ko-KR" altLang="en-US" smtClean="0"/>
-              <a:t>6</a:t>
+              <a:t>7</a:t>
             </a:fld>
             <a:endParaRPr kumimoji="1" lang="ko-KR" altLang="en-US"/>
           </a:p>
@@ -5483,8 +5490,8 @@
           <a:lstStyle/>
           <a:p>
             <a:r>
-              <a:rPr kumimoji="1" lang="en-US" altLang="ko-KR" dirty="0" smtClean="0"/>
-              <a:t>2018.01.27</a:t>
+              <a:rPr kumimoji="1" lang="en-US" altLang="ko-KR" smtClean="0"/>
+              <a:t>2018.01.28</a:t>
             </a:r>
             <a:endParaRPr kumimoji="1" lang="ko-KR" altLang="en-US" dirty="0"/>
           </a:p>
@@ -5494,6 +5501,1203 @@
     <p:extLst>
       <p:ext uri="{BB962C8B-B14F-4D97-AF65-F5344CB8AC3E}">
         <p14:creationId xmlns:p14="http://schemas.microsoft.com/office/powerpoint/2010/main" val="27078667"/>
+      </p:ext>
+    </p:extLst>
+  </p:cSld>
+  <p:clrMapOvr>
+    <a:masterClrMapping/>
+  </p:clrMapOvr>
+</p:sld>
+</file>
+
+<file path=ppt/slides/slide10.xml><?xml version="1.0" encoding="utf-8"?>
+<p:sld xmlns:a="http://schemas.openxmlformats.org/drawingml/2006/main" xmlns:r="http://schemas.openxmlformats.org/officeDocument/2006/relationships" xmlns:p="http://schemas.openxmlformats.org/presentationml/2006/main">
+  <p:cSld>
+    <p:spTree>
+      <p:nvGrpSpPr>
+        <p:cNvPr id="1" name=""/>
+        <p:cNvGrpSpPr/>
+        <p:nvPr/>
+      </p:nvGrpSpPr>
+      <p:grpSpPr>
+        <a:xfrm>
+          <a:off x="0" y="0"/>
+          <a:ext cx="0" cy="0"/>
+          <a:chOff x="0" y="0"/>
+          <a:chExt cx="0" cy="0"/>
+        </a:xfrm>
+      </p:grpSpPr>
+      <p:sp>
+        <p:nvSpPr>
+          <p:cNvPr id="2" name="제목 1"/>
+          <p:cNvSpPr>
+            <a:spLocks noGrp="1"/>
+          </p:cNvSpPr>
+          <p:nvPr>
+            <p:ph type="title"/>
+          </p:nvPr>
+        </p:nvSpPr>
+        <p:spPr/>
+        <p:txBody>
+          <a:bodyPr/>
+          <a:lstStyle/>
+          <a:p>
+            <a:r>
+              <a:rPr kumimoji="1" lang="ko-KR" altLang="en-US" dirty="0" smtClean="0"/>
+              <a:t>어린이날</a:t>
+            </a:r>
+            <a:endParaRPr kumimoji="1" lang="ko-KR" altLang="en-US" dirty="0"/>
+          </a:p>
+        </p:txBody>
+      </p:sp>
+      <p:sp>
+        <p:nvSpPr>
+          <p:cNvPr id="3" name="내용 개체 틀 2"/>
+          <p:cNvSpPr>
+            <a:spLocks noGrp="1"/>
+          </p:cNvSpPr>
+          <p:nvPr>
+            <p:ph idx="1"/>
+          </p:nvPr>
+        </p:nvSpPr>
+        <p:spPr/>
+        <p:txBody>
+          <a:bodyPr>
+            <a:normAutofit fontScale="92500" lnSpcReduction="10000"/>
+          </a:bodyPr>
+          <a:lstStyle/>
+          <a:p>
+            <a:r>
+              <a:rPr lang="ko-KR" altLang="en-US" dirty="0" smtClean="0"/>
+              <a:t>그래프 모델링</a:t>
+            </a:r>
+            <a:endParaRPr lang="en-US" altLang="ko-KR" dirty="0" smtClean="0"/>
+          </a:p>
+          <a:p>
+            <a:endParaRPr lang="en-US" altLang="ko-KR" dirty="0" smtClean="0"/>
+          </a:p>
+          <a:p>
+            <a:r>
+              <a:rPr lang="ko-KR" altLang="en-US" dirty="0" smtClean="0"/>
+              <a:t>정점 </a:t>
+            </a:r>
+            <a:r>
+              <a:rPr lang="en-US" altLang="ko-KR" dirty="0" smtClean="0"/>
+              <a:t>:</a:t>
+            </a:r>
+            <a:r>
+              <a:rPr lang="ko-KR" altLang="en-US" dirty="0" smtClean="0"/>
+              <a:t> </a:t>
+            </a:r>
+            <a:r>
+              <a:rPr lang="en-US" altLang="ko-KR" dirty="0" smtClean="0"/>
+              <a:t>C</a:t>
+            </a:r>
+            <a:r>
+              <a:rPr lang="ko-KR" altLang="en-US" dirty="0" smtClean="0"/>
+              <a:t> </a:t>
+            </a:r>
+            <a:r>
+              <a:rPr lang="en-US" altLang="ko-KR" dirty="0" smtClean="0"/>
+              <a:t>%</a:t>
+            </a:r>
+            <a:r>
+              <a:rPr lang="ko-KR" altLang="en-US" dirty="0" smtClean="0"/>
+              <a:t> </a:t>
+            </a:r>
+            <a:r>
+              <a:rPr lang="en-US" altLang="ko-KR" dirty="0" smtClean="0"/>
+              <a:t>n -&gt;</a:t>
+            </a:r>
+            <a:r>
+              <a:rPr lang="ko-KR" altLang="en-US" dirty="0" smtClean="0"/>
+              <a:t> 정점이 </a:t>
+            </a:r>
+            <a:r>
+              <a:rPr lang="en-US" altLang="ko-KR" dirty="0" smtClean="0"/>
+              <a:t>0~n-1</a:t>
+            </a:r>
+            <a:r>
+              <a:rPr lang="ko-KR" altLang="en-US" dirty="0" smtClean="0"/>
+              <a:t> 까지 </a:t>
+            </a:r>
+            <a:r>
+              <a:rPr lang="en-US" altLang="ko-KR" dirty="0" smtClean="0"/>
+              <a:t>n</a:t>
+            </a:r>
+            <a:r>
+              <a:rPr lang="ko-KR" altLang="en-US" dirty="0" smtClean="0"/>
+              <a:t> 개 존재</a:t>
+            </a:r>
+            <a:endParaRPr lang="en-US" altLang="ko-KR" dirty="0" smtClean="0"/>
+          </a:p>
+          <a:p>
+            <a:endParaRPr lang="en-US" altLang="ko-KR" dirty="0" smtClean="0"/>
+          </a:p>
+          <a:p>
+            <a:r>
+              <a:rPr lang="ko-KR" altLang="en-US" dirty="0" smtClean="0"/>
+              <a:t>간선 </a:t>
+            </a:r>
+            <a:r>
+              <a:rPr lang="en-US" altLang="ko-KR" dirty="0" smtClean="0"/>
+              <a:t>:</a:t>
+            </a:r>
+            <a:r>
+              <a:rPr lang="ko-KR" altLang="en-US" dirty="0" smtClean="0"/>
+              <a:t> </a:t>
+            </a:r>
+            <a:r>
+              <a:rPr lang="en-US" altLang="ko-KR" dirty="0" smtClean="0"/>
+              <a:t>C </a:t>
+            </a:r>
+            <a:r>
+              <a:rPr lang="ko-KR" altLang="en-US" dirty="0" smtClean="0"/>
+              <a:t>뒤에 붙인 숫자 </a:t>
+            </a:r>
+            <a:r>
+              <a:rPr lang="en-US" altLang="ko-KR" dirty="0" smtClean="0"/>
+              <a:t>x</a:t>
+            </a:r>
+          </a:p>
+          <a:p>
+            <a:endParaRPr lang="en-US" altLang="ko-KR" dirty="0"/>
+          </a:p>
+          <a:p>
+            <a:r>
+              <a:rPr lang="ko-KR" altLang="en-US" dirty="0" smtClean="0"/>
+              <a:t>그래프 상에서 </a:t>
+            </a:r>
+            <a:r>
+              <a:rPr lang="en-US" altLang="ko-KR" dirty="0" smtClean="0"/>
+              <a:t>0</a:t>
+            </a:r>
+            <a:r>
+              <a:rPr lang="ko-KR" altLang="en-US" dirty="0" smtClean="0"/>
+              <a:t>에서 </a:t>
+            </a:r>
+            <a:r>
+              <a:rPr lang="en-US" altLang="ko-KR" dirty="0" smtClean="0"/>
+              <a:t>m</a:t>
+            </a:r>
+            <a:r>
+              <a:rPr lang="ko-KR" altLang="en-US" dirty="0" smtClean="0"/>
+              <a:t> 까지 최단 경로</a:t>
+            </a:r>
+            <a:r>
+              <a:rPr lang="en-US" altLang="ko-KR" sz="1400" dirty="0" smtClean="0"/>
+              <a:t>(</a:t>
+            </a:r>
+            <a:r>
+              <a:rPr lang="ko-KR" altLang="en-US" sz="1400" dirty="0" smtClean="0"/>
+              <a:t>간선 중심</a:t>
+            </a:r>
+            <a:r>
+              <a:rPr lang="en-US" altLang="ko-KR" sz="1400" dirty="0" smtClean="0"/>
+              <a:t>)</a:t>
+            </a:r>
+            <a:r>
+              <a:rPr lang="ko-KR" altLang="en-US" dirty="0" smtClean="0"/>
+              <a:t>가 의미하는 것은</a:t>
+            </a:r>
+            <a:r>
+              <a:rPr lang="en-US" altLang="ko-KR" dirty="0" smtClean="0"/>
+              <a:t>?</a:t>
+            </a:r>
+            <a:br>
+              <a:rPr lang="en-US" altLang="ko-KR" dirty="0" smtClean="0"/>
+            </a:br>
+            <a:r>
+              <a:rPr lang="en-US" altLang="ko-KR" dirty="0" smtClean="0"/>
+              <a:t>			-&gt;</a:t>
+            </a:r>
+            <a:r>
+              <a:rPr lang="ko-KR" altLang="en-US" dirty="0" smtClean="0"/>
+              <a:t> 가장 길이가 짧은 </a:t>
+            </a:r>
+            <a:r>
+              <a:rPr lang="en-US" altLang="ko-KR" dirty="0" smtClean="0"/>
+              <a:t>C</a:t>
+            </a:r>
+          </a:p>
+          <a:p>
+            <a:endParaRPr lang="en-US" altLang="ko-KR" dirty="0" smtClean="0"/>
+          </a:p>
+          <a:p>
+            <a:r>
+              <a:rPr lang="en-US" altLang="ko-KR" dirty="0" smtClean="0"/>
+              <a:t>0-3-8 (35)</a:t>
+            </a:r>
+            <a:r>
+              <a:rPr lang="ko-KR" altLang="en-US" dirty="0" smtClean="0"/>
+              <a:t> </a:t>
+            </a:r>
+            <a:r>
+              <a:rPr lang="en-US" altLang="ko-KR" dirty="0" smtClean="0"/>
+              <a:t>vs 0-5-8 (53) =&gt; 0-3-8 </a:t>
+            </a:r>
+            <a:r>
+              <a:rPr lang="ko-KR" altLang="en-US" dirty="0" smtClean="0"/>
+              <a:t>선택 </a:t>
+            </a:r>
+            <a:r>
+              <a:rPr lang="en-US" altLang="ko-KR" dirty="0" smtClean="0"/>
+              <a:t>how ??</a:t>
+            </a:r>
+          </a:p>
+          <a:p>
+            <a:endParaRPr lang="en-US" altLang="ko-KR" dirty="0"/>
+          </a:p>
+          <a:p>
+            <a:endParaRPr lang="cs-CZ" altLang="ko-KR" dirty="0"/>
+          </a:p>
+        </p:txBody>
+      </p:sp>
+    </p:spTree>
+    <p:extLst>
+      <p:ext uri="{BB962C8B-B14F-4D97-AF65-F5344CB8AC3E}">
+        <p14:creationId xmlns:p14="http://schemas.microsoft.com/office/powerpoint/2010/main" val="859945052"/>
+      </p:ext>
+    </p:extLst>
+  </p:cSld>
+  <p:clrMapOvr>
+    <a:masterClrMapping/>
+  </p:clrMapOvr>
+</p:sld>
+</file>
+
+<file path=ppt/slides/slide11.xml><?xml version="1.0" encoding="utf-8"?>
+<p:sld xmlns:a="http://schemas.openxmlformats.org/drawingml/2006/main" xmlns:r="http://schemas.openxmlformats.org/officeDocument/2006/relationships" xmlns:p="http://schemas.openxmlformats.org/presentationml/2006/main">
+  <p:cSld>
+    <p:spTree>
+      <p:nvGrpSpPr>
+        <p:cNvPr id="1" name=""/>
+        <p:cNvGrpSpPr/>
+        <p:nvPr/>
+      </p:nvGrpSpPr>
+      <p:grpSpPr>
+        <a:xfrm>
+          <a:off x="0" y="0"/>
+          <a:ext cx="0" cy="0"/>
+          <a:chOff x="0" y="0"/>
+          <a:chExt cx="0" cy="0"/>
+        </a:xfrm>
+      </p:grpSpPr>
+      <p:sp>
+        <p:nvSpPr>
+          <p:cNvPr id="2" name="제목 1"/>
+          <p:cNvSpPr>
+            <a:spLocks noGrp="1"/>
+          </p:cNvSpPr>
+          <p:nvPr>
+            <p:ph type="title"/>
+          </p:nvPr>
+        </p:nvSpPr>
+        <p:spPr/>
+        <p:txBody>
+          <a:bodyPr/>
+          <a:lstStyle/>
+          <a:p>
+            <a:r>
+              <a:rPr kumimoji="1" lang="ko-KR" altLang="en-US" dirty="0" smtClean="0"/>
+              <a:t>어린이날</a:t>
+            </a:r>
+            <a:endParaRPr kumimoji="1" lang="ko-KR" altLang="en-US" dirty="0"/>
+          </a:p>
+        </p:txBody>
+      </p:sp>
+      <p:sp>
+        <p:nvSpPr>
+          <p:cNvPr id="3" name="내용 개체 틀 2"/>
+          <p:cNvSpPr>
+            <a:spLocks noGrp="1"/>
+          </p:cNvSpPr>
+          <p:nvPr>
+            <p:ph idx="1"/>
+          </p:nvPr>
+        </p:nvSpPr>
+        <p:spPr/>
+        <p:txBody>
+          <a:bodyPr>
+            <a:normAutofit/>
+          </a:bodyPr>
+          <a:lstStyle/>
+          <a:p>
+            <a:r>
+              <a:rPr lang="ko-KR" altLang="en-US" dirty="0" smtClean="0"/>
+              <a:t>사전순으로 가장 작은 최단 경로 선택</a:t>
+            </a:r>
+            <a:r>
+              <a:rPr lang="en-US" altLang="ko-KR" dirty="0"/>
+              <a:t/>
+            </a:r>
+            <a:br>
+              <a:rPr lang="en-US" altLang="ko-KR" dirty="0"/>
+            </a:br>
+            <a:r>
+              <a:rPr lang="en-US" altLang="ko-KR" dirty="0" smtClean="0"/>
+              <a:t>		=&gt;</a:t>
+            </a:r>
+            <a:r>
+              <a:rPr lang="ko-KR" altLang="en-US" dirty="0" smtClean="0"/>
+              <a:t> </a:t>
+            </a:r>
+            <a:r>
+              <a:rPr lang="en-US" altLang="ko-KR" dirty="0" err="1" smtClean="0"/>
+              <a:t>bfs</a:t>
+            </a:r>
+            <a:r>
+              <a:rPr lang="ko-KR" altLang="en-US" dirty="0" smtClean="0"/>
+              <a:t> 를 간선 번호 순서로 수행</a:t>
+            </a:r>
+            <a:endParaRPr lang="en-US" altLang="ko-KR" dirty="0" smtClean="0"/>
+          </a:p>
+          <a:p>
+            <a:endParaRPr lang="en-US" altLang="ko-KR" dirty="0" smtClean="0"/>
+          </a:p>
+          <a:p>
+            <a:r>
+              <a:rPr lang="ko-KR" altLang="en-US" dirty="0" smtClean="0"/>
+              <a:t>큐에 크기 순서대로 들어가니까 </a:t>
+            </a:r>
+            <a:endParaRPr lang="en-US" altLang="ko-KR" dirty="0" smtClean="0"/>
+          </a:p>
+          <a:p>
+            <a:endParaRPr lang="en-US" altLang="ko-KR" dirty="0"/>
+          </a:p>
+          <a:p>
+            <a:r>
+              <a:rPr lang="ko-KR" altLang="en-US" dirty="0" smtClean="0"/>
+              <a:t>너비우선탐색스패닝트리 안에서의 경로는 항상 최단</a:t>
+            </a:r>
+            <a:r>
+              <a:rPr lang="en-US" altLang="ko-KR" dirty="0" smtClean="0"/>
+              <a:t>,</a:t>
+            </a:r>
+            <a:r>
+              <a:rPr lang="ko-KR" altLang="en-US" dirty="0" smtClean="0"/>
+              <a:t> 사전순으로 가장 작은 경로임 </a:t>
+            </a:r>
+            <a:endParaRPr lang="en-US" altLang="ko-KR" dirty="0" smtClean="0"/>
+          </a:p>
+          <a:p>
+            <a:endParaRPr lang="en-US" altLang="ko-KR" dirty="0"/>
+          </a:p>
+          <a:p>
+            <a:endParaRPr lang="en-US" altLang="ko-KR" dirty="0"/>
+          </a:p>
+          <a:p>
+            <a:endParaRPr lang="en-US" altLang="ko-KR" dirty="0"/>
+          </a:p>
+          <a:p>
+            <a:endParaRPr lang="cs-CZ" altLang="ko-KR" dirty="0"/>
+          </a:p>
+        </p:txBody>
+      </p:sp>
+    </p:spTree>
+    <p:extLst>
+      <p:ext uri="{BB962C8B-B14F-4D97-AF65-F5344CB8AC3E}">
+        <p14:creationId xmlns:p14="http://schemas.microsoft.com/office/powerpoint/2010/main" val="1167459250"/>
+      </p:ext>
+    </p:extLst>
+  </p:cSld>
+  <p:clrMapOvr>
+    <a:masterClrMapping/>
+  </p:clrMapOvr>
+</p:sld>
+</file>
+
+<file path=ppt/slides/slide12.xml><?xml version="1.0" encoding="utf-8"?>
+<p:sld xmlns:a="http://schemas.openxmlformats.org/drawingml/2006/main" xmlns:r="http://schemas.openxmlformats.org/officeDocument/2006/relationships" xmlns:p="http://schemas.openxmlformats.org/presentationml/2006/main">
+  <p:cSld>
+    <p:spTree>
+      <p:nvGrpSpPr>
+        <p:cNvPr id="1" name=""/>
+        <p:cNvGrpSpPr/>
+        <p:nvPr/>
+      </p:nvGrpSpPr>
+      <p:grpSpPr>
+        <a:xfrm>
+          <a:off x="0" y="0"/>
+          <a:ext cx="0" cy="0"/>
+          <a:chOff x="0" y="0"/>
+          <a:chExt cx="0" cy="0"/>
+        </a:xfrm>
+      </p:grpSpPr>
+      <p:sp>
+        <p:nvSpPr>
+          <p:cNvPr id="2" name="제목 1"/>
+          <p:cNvSpPr>
+            <a:spLocks noGrp="1"/>
+          </p:cNvSpPr>
+          <p:nvPr>
+            <p:ph type="title"/>
+          </p:nvPr>
+        </p:nvSpPr>
+        <p:spPr/>
+        <p:txBody>
+          <a:bodyPr/>
+          <a:lstStyle/>
+          <a:p>
+            <a:r>
+              <a:rPr kumimoji="1" lang="ko-KR" altLang="en-US" dirty="0" smtClean="0"/>
+              <a:t>어린이날</a:t>
+            </a:r>
+            <a:endParaRPr kumimoji="1" lang="ko-KR" altLang="en-US" dirty="0"/>
+          </a:p>
+        </p:txBody>
+      </p:sp>
+      <p:sp>
+        <p:nvSpPr>
+          <p:cNvPr id="3" name="내용 개체 틀 2"/>
+          <p:cNvSpPr>
+            <a:spLocks noGrp="1"/>
+          </p:cNvSpPr>
+          <p:nvPr>
+            <p:ph idx="1"/>
+          </p:nvPr>
+        </p:nvSpPr>
+        <p:spPr/>
+        <p:txBody>
+          <a:bodyPr>
+            <a:normAutofit fontScale="85000" lnSpcReduction="20000"/>
+          </a:bodyPr>
+          <a:lstStyle/>
+          <a:p>
+            <a:r>
+              <a:rPr lang="en-US" altLang="ko-KR" dirty="0" smtClean="0"/>
+              <a:t>(1)</a:t>
+            </a:r>
+            <a:r>
+              <a:rPr lang="ko-KR" altLang="en-US" dirty="0" smtClean="0"/>
+              <a:t> </a:t>
+            </a:r>
+            <a:r>
+              <a:rPr lang="en-US" altLang="ko-KR" dirty="0" err="1" smtClean="0"/>
+              <a:t>n+m</a:t>
+            </a:r>
+            <a:r>
+              <a:rPr lang="en-US" altLang="ko-KR" dirty="0" smtClean="0"/>
+              <a:t> </a:t>
+            </a:r>
+            <a:r>
+              <a:rPr lang="ko-KR" altLang="en-US" dirty="0" smtClean="0"/>
+              <a:t>이상</a:t>
+            </a:r>
+            <a:endParaRPr lang="en-US" altLang="ko-KR" dirty="0" smtClean="0"/>
+          </a:p>
+          <a:p>
+            <a:endParaRPr lang="en-US" altLang="ko-KR" dirty="0"/>
+          </a:p>
+          <a:p>
+            <a:r>
+              <a:rPr lang="ko-KR" altLang="en-US" dirty="0" smtClean="0"/>
+              <a:t>시작점 </a:t>
+            </a:r>
+            <a:r>
+              <a:rPr lang="en-US" altLang="ko-KR" dirty="0" smtClean="0"/>
+              <a:t>0</a:t>
+            </a:r>
+            <a:r>
+              <a:rPr lang="ko-KR" altLang="en-US" dirty="0" smtClean="0"/>
+              <a:t>과 나머지가 </a:t>
+            </a:r>
+            <a:r>
+              <a:rPr lang="en-US" altLang="ko-KR" dirty="0" smtClean="0"/>
+              <a:t>0</a:t>
+            </a:r>
+            <a:r>
+              <a:rPr lang="ko-KR" altLang="en-US" dirty="0" smtClean="0"/>
+              <a:t>인 경우의 정점 </a:t>
+            </a:r>
+            <a:r>
+              <a:rPr lang="en-US" altLang="ko-KR" dirty="0" smtClean="0"/>
+              <a:t>0</a:t>
+            </a:r>
+            <a:r>
+              <a:rPr lang="ko-KR" altLang="en-US" dirty="0" smtClean="0"/>
+              <a:t>이 같다</a:t>
+            </a:r>
+            <a:r>
+              <a:rPr lang="en-US" altLang="ko-KR" dirty="0" smtClean="0"/>
+              <a:t>?</a:t>
+            </a:r>
+          </a:p>
+          <a:p>
+            <a:endParaRPr lang="en-US" altLang="ko-KR" dirty="0"/>
+          </a:p>
+          <a:p>
+            <a:r>
+              <a:rPr lang="ko-KR" altLang="en-US" dirty="0" smtClean="0"/>
+              <a:t>시작점 </a:t>
+            </a:r>
+            <a:r>
+              <a:rPr lang="en-US" altLang="ko-KR" dirty="0" smtClean="0"/>
+              <a:t>0</a:t>
+            </a:r>
+            <a:r>
+              <a:rPr lang="ko-KR" altLang="en-US" dirty="0" smtClean="0"/>
+              <a:t> </a:t>
+            </a:r>
+            <a:r>
+              <a:rPr lang="en-US" altLang="ko-KR" dirty="0" smtClean="0"/>
+              <a:t>-&gt;</a:t>
+            </a:r>
+            <a:r>
+              <a:rPr lang="ko-KR" altLang="en-US" dirty="0" smtClean="0"/>
+              <a:t> </a:t>
+            </a:r>
+            <a:r>
+              <a:rPr lang="en-US" altLang="ko-KR" dirty="0" smtClean="0"/>
+              <a:t>n </a:t>
+            </a:r>
+            <a:r>
+              <a:rPr lang="ko-KR" altLang="en-US" dirty="0" smtClean="0"/>
+              <a:t>미만</a:t>
+            </a:r>
+            <a:endParaRPr lang="en-US" altLang="ko-KR" dirty="0" smtClean="0"/>
+          </a:p>
+          <a:p>
+            <a:endParaRPr lang="en-US" altLang="ko-KR" dirty="0"/>
+          </a:p>
+          <a:p>
+            <a:r>
+              <a:rPr lang="ko-KR" altLang="en-US" dirty="0" smtClean="0"/>
+              <a:t>나머지가 </a:t>
+            </a:r>
+            <a:r>
+              <a:rPr lang="en-US" altLang="ko-KR" dirty="0" smtClean="0"/>
+              <a:t>0</a:t>
+            </a:r>
+            <a:r>
+              <a:rPr lang="ko-KR" altLang="en-US" dirty="0" smtClean="0"/>
+              <a:t>인 경우 </a:t>
+            </a:r>
+            <a:r>
+              <a:rPr lang="en-US" altLang="ko-KR" dirty="0" smtClean="0"/>
+              <a:t>-&gt;</a:t>
+            </a:r>
+            <a:r>
+              <a:rPr lang="ko-KR" altLang="en-US" dirty="0" smtClean="0"/>
+              <a:t> </a:t>
+            </a:r>
+            <a:r>
+              <a:rPr lang="en-US" altLang="ko-KR" dirty="0" smtClean="0"/>
+              <a:t>n</a:t>
+            </a:r>
+            <a:r>
+              <a:rPr lang="ko-KR" altLang="en-US" dirty="0" smtClean="0"/>
+              <a:t> 이상</a:t>
+            </a:r>
+            <a:endParaRPr lang="en-US" altLang="ko-KR" dirty="0" smtClean="0"/>
+          </a:p>
+          <a:p>
+            <a:endParaRPr lang="en-US" altLang="ko-KR" dirty="0"/>
+          </a:p>
+          <a:p>
+            <a:r>
+              <a:rPr lang="ko-KR" altLang="en-US" dirty="0" smtClean="0"/>
+              <a:t>정점을 </a:t>
+            </a:r>
+            <a:r>
+              <a:rPr lang="en-US" altLang="ko-KR" dirty="0" smtClean="0"/>
+              <a:t>2</a:t>
+            </a:r>
+            <a:r>
+              <a:rPr lang="ko-KR" altLang="en-US" dirty="0" smtClean="0"/>
+              <a:t>개씩 만들어서 해결</a:t>
+            </a:r>
+            <a:endParaRPr lang="en-US" altLang="ko-KR" dirty="0" smtClean="0"/>
+          </a:p>
+          <a:p>
+            <a:endParaRPr lang="en-US" altLang="ko-KR" dirty="0"/>
+          </a:p>
+          <a:p>
+            <a:r>
+              <a:rPr lang="ko-KR" altLang="en-US" dirty="0" smtClean="0">
+                <a:solidFill>
+                  <a:srgbClr val="FF0000"/>
+                </a:solidFill>
+              </a:rPr>
+              <a:t>흰색 </a:t>
+            </a:r>
+            <a:r>
+              <a:rPr lang="en-US" altLang="ko-KR" dirty="0" smtClean="0">
+                <a:solidFill>
+                  <a:srgbClr val="FF0000"/>
+                </a:solidFill>
+              </a:rPr>
+              <a:t>0</a:t>
+            </a:r>
+            <a:r>
+              <a:rPr lang="ko-KR" altLang="en-US" dirty="0" smtClean="0">
+                <a:solidFill>
+                  <a:srgbClr val="FF0000"/>
+                </a:solidFill>
+              </a:rPr>
+              <a:t> 에서 회색 </a:t>
+            </a:r>
+            <a:r>
+              <a:rPr lang="en-US" altLang="ko-KR" dirty="0" smtClean="0">
+                <a:solidFill>
+                  <a:srgbClr val="FF0000"/>
+                </a:solidFill>
+              </a:rPr>
+              <a:t>m</a:t>
+            </a:r>
+            <a:r>
+              <a:rPr lang="ko-KR" altLang="en-US" dirty="0" smtClean="0">
+                <a:solidFill>
+                  <a:srgbClr val="FF0000"/>
+                </a:solidFill>
+              </a:rPr>
+              <a:t> 까지 가는 최단 경로</a:t>
+            </a:r>
+            <a:endParaRPr lang="en-US" altLang="ko-KR" dirty="0">
+              <a:solidFill>
+                <a:srgbClr val="FF0000"/>
+              </a:solidFill>
+            </a:endParaRPr>
+          </a:p>
+          <a:p>
+            <a:endParaRPr lang="cs-CZ" altLang="ko-KR" dirty="0"/>
+          </a:p>
+        </p:txBody>
+      </p:sp>
+    </p:spTree>
+    <p:extLst>
+      <p:ext uri="{BB962C8B-B14F-4D97-AF65-F5344CB8AC3E}">
+        <p14:creationId xmlns:p14="http://schemas.microsoft.com/office/powerpoint/2010/main" val="531544654"/>
+      </p:ext>
+    </p:extLst>
+  </p:cSld>
+  <p:clrMapOvr>
+    <a:masterClrMapping/>
+  </p:clrMapOvr>
+</p:sld>
+</file>
+
+<file path=ppt/slides/slide13.xml><?xml version="1.0" encoding="utf-8"?>
+<p:sld xmlns:a="http://schemas.openxmlformats.org/drawingml/2006/main" xmlns:r="http://schemas.openxmlformats.org/officeDocument/2006/relationships" xmlns:p="http://schemas.openxmlformats.org/presentationml/2006/main">
+  <p:cSld>
+    <p:spTree>
+      <p:nvGrpSpPr>
+        <p:cNvPr id="1" name=""/>
+        <p:cNvGrpSpPr/>
+        <p:nvPr/>
+      </p:nvGrpSpPr>
+      <p:grpSpPr>
+        <a:xfrm>
+          <a:off x="0" y="0"/>
+          <a:ext cx="0" cy="0"/>
+          <a:chOff x="0" y="0"/>
+          <a:chExt cx="0" cy="0"/>
+        </a:xfrm>
+      </p:grpSpPr>
+      <p:sp>
+        <p:nvSpPr>
+          <p:cNvPr id="2" name="제목 1"/>
+          <p:cNvSpPr>
+            <a:spLocks noGrp="1"/>
+          </p:cNvSpPr>
+          <p:nvPr>
+            <p:ph type="title"/>
+          </p:nvPr>
+        </p:nvSpPr>
+        <p:spPr/>
+        <p:txBody>
+          <a:bodyPr/>
+          <a:lstStyle/>
+          <a:p>
+            <a:r>
+              <a:rPr kumimoji="1" lang="ko-KR" altLang="en-US" dirty="0" smtClean="0"/>
+              <a:t>백준 </a:t>
+            </a:r>
+            <a:r>
+              <a:rPr kumimoji="1" lang="en-US" altLang="ko-KR" dirty="0" smtClean="0"/>
+              <a:t>2151</a:t>
+            </a:r>
+            <a:r>
+              <a:rPr kumimoji="1" lang="ko-KR" altLang="en-US" dirty="0" smtClean="0"/>
+              <a:t> 거울 설치</a:t>
+            </a:r>
+            <a:endParaRPr kumimoji="1" lang="ko-KR" altLang="en-US" dirty="0"/>
+          </a:p>
+        </p:txBody>
+      </p:sp>
+      <p:sp>
+        <p:nvSpPr>
+          <p:cNvPr id="3" name="내용 개체 틀 2"/>
+          <p:cNvSpPr>
+            <a:spLocks noGrp="1"/>
+          </p:cNvSpPr>
+          <p:nvPr>
+            <p:ph idx="1"/>
+          </p:nvPr>
+        </p:nvSpPr>
+        <p:spPr/>
+        <p:txBody>
+          <a:bodyPr/>
+          <a:lstStyle/>
+          <a:p>
+            <a:r>
+              <a:rPr kumimoji="1" lang="en-US" altLang="ko-KR" dirty="0" smtClean="0"/>
+              <a:t>min(</a:t>
+            </a:r>
+            <a:r>
+              <a:rPr kumimoji="1" lang="ko-KR" altLang="en-US" dirty="0" smtClean="0"/>
+              <a:t>거울에 반사해서 전진</a:t>
+            </a:r>
+            <a:r>
+              <a:rPr kumimoji="1" lang="en-US" altLang="ko-KR" dirty="0" smtClean="0"/>
+              <a:t>, </a:t>
+            </a:r>
+            <a:r>
+              <a:rPr kumimoji="1" lang="ko-KR" altLang="en-US" dirty="0" smtClean="0"/>
+              <a:t>원래 방향 그대로 전진</a:t>
+            </a:r>
+            <a:r>
+              <a:rPr kumimoji="1" lang="en-US" altLang="ko-KR" dirty="0" smtClean="0"/>
+              <a:t>)</a:t>
+            </a:r>
+          </a:p>
+        </p:txBody>
+      </p:sp>
+      <p:grpSp>
+        <p:nvGrpSpPr>
+          <p:cNvPr id="33" name="그룹 32"/>
+          <p:cNvGrpSpPr/>
+          <p:nvPr/>
+        </p:nvGrpSpPr>
+        <p:grpSpPr>
+          <a:xfrm>
+            <a:off x="1416327" y="3001617"/>
+            <a:ext cx="9359345" cy="2941983"/>
+            <a:chOff x="1348412" y="2544417"/>
+            <a:chExt cx="9359345" cy="2941983"/>
+          </a:xfrm>
+        </p:grpSpPr>
+        <p:grpSp>
+          <p:nvGrpSpPr>
+            <p:cNvPr id="27" name="그룹 26"/>
+            <p:cNvGrpSpPr/>
+            <p:nvPr/>
+          </p:nvGrpSpPr>
+          <p:grpSpPr>
+            <a:xfrm>
+              <a:off x="1351722" y="2544417"/>
+              <a:ext cx="3200400" cy="2941983"/>
+              <a:chOff x="1351722" y="2544417"/>
+              <a:chExt cx="3200400" cy="2941983"/>
+            </a:xfrm>
+          </p:grpSpPr>
+          <p:sp>
+            <p:nvSpPr>
+              <p:cNvPr id="5" name="직사각형 4"/>
+              <p:cNvSpPr/>
+              <p:nvPr/>
+            </p:nvSpPr>
+            <p:spPr>
+              <a:xfrm>
+                <a:off x="1351722" y="2544417"/>
+                <a:ext cx="3200400" cy="2941983"/>
+              </a:xfrm>
+              <a:prstGeom prst="rect">
+                <a:avLst/>
+              </a:prstGeom>
+              <a:noFill/>
+            </p:spPr>
+            <p:style>
+              <a:lnRef idx="2">
+                <a:schemeClr val="accent1">
+                  <a:shade val="50000"/>
+                </a:schemeClr>
+              </a:lnRef>
+              <a:fillRef idx="1">
+                <a:schemeClr val="accent1"/>
+              </a:fillRef>
+              <a:effectRef idx="0">
+                <a:schemeClr val="accent1"/>
+              </a:effectRef>
+              <a:fontRef idx="minor">
+                <a:schemeClr val="lt1"/>
+              </a:fontRef>
+            </p:style>
+            <p:txBody>
+              <a:bodyPr rtlCol="0" anchor="ctr"/>
+              <a:lstStyle/>
+              <a:p>
+                <a:pPr algn="ctr"/>
+                <a:endParaRPr kumimoji="1" lang="ko-KR" altLang="en-US"/>
+              </a:p>
+            </p:txBody>
+          </p:sp>
+          <p:cxnSp>
+            <p:nvCxnSpPr>
+              <p:cNvPr id="8" name="직선 연결선[R] 7"/>
+              <p:cNvCxnSpPr/>
+              <p:nvPr/>
+            </p:nvCxnSpPr>
+            <p:spPr>
+              <a:xfrm>
+                <a:off x="1351722" y="2544417"/>
+                <a:ext cx="3200400" cy="2941983"/>
+              </a:xfrm>
+              <a:prstGeom prst="line">
+                <a:avLst/>
+              </a:prstGeom>
+            </p:spPr>
+            <p:style>
+              <a:lnRef idx="1">
+                <a:schemeClr val="accent1"/>
+              </a:lnRef>
+              <a:fillRef idx="0">
+                <a:schemeClr val="accent1"/>
+              </a:fillRef>
+              <a:effectRef idx="0">
+                <a:schemeClr val="accent1"/>
+              </a:effectRef>
+              <a:fontRef idx="minor">
+                <a:schemeClr val="tx1"/>
+              </a:fontRef>
+            </p:style>
+          </p:cxnSp>
+        </p:grpSp>
+        <p:grpSp>
+          <p:nvGrpSpPr>
+            <p:cNvPr id="28" name="그룹 27"/>
+            <p:cNvGrpSpPr/>
+            <p:nvPr/>
+          </p:nvGrpSpPr>
+          <p:grpSpPr>
+            <a:xfrm>
+              <a:off x="7507356" y="2544417"/>
+              <a:ext cx="3200400" cy="2941983"/>
+              <a:chOff x="7507356" y="2544417"/>
+              <a:chExt cx="3200400" cy="2941983"/>
+            </a:xfrm>
+          </p:grpSpPr>
+          <p:sp>
+            <p:nvSpPr>
+              <p:cNvPr id="6" name="직사각형 5"/>
+              <p:cNvSpPr/>
+              <p:nvPr/>
+            </p:nvSpPr>
+            <p:spPr>
+              <a:xfrm>
+                <a:off x="7507356" y="2544417"/>
+                <a:ext cx="3200400" cy="2941983"/>
+              </a:xfrm>
+              <a:prstGeom prst="rect">
+                <a:avLst/>
+              </a:prstGeom>
+              <a:noFill/>
+            </p:spPr>
+            <p:style>
+              <a:lnRef idx="2">
+                <a:schemeClr val="accent1">
+                  <a:shade val="50000"/>
+                </a:schemeClr>
+              </a:lnRef>
+              <a:fillRef idx="1">
+                <a:schemeClr val="accent1"/>
+              </a:fillRef>
+              <a:effectRef idx="0">
+                <a:schemeClr val="accent1"/>
+              </a:effectRef>
+              <a:fontRef idx="minor">
+                <a:schemeClr val="lt1"/>
+              </a:fontRef>
+            </p:style>
+            <p:txBody>
+              <a:bodyPr rtlCol="0" anchor="ctr"/>
+              <a:lstStyle/>
+              <a:p>
+                <a:pPr algn="ctr"/>
+                <a:endParaRPr kumimoji="1" lang="ko-KR" altLang="en-US"/>
+              </a:p>
+            </p:txBody>
+          </p:sp>
+          <p:cxnSp>
+            <p:nvCxnSpPr>
+              <p:cNvPr id="9" name="직선 연결선[R] 8"/>
+              <p:cNvCxnSpPr/>
+              <p:nvPr/>
+            </p:nvCxnSpPr>
+            <p:spPr>
+              <a:xfrm flipH="1">
+                <a:off x="7507357" y="2544417"/>
+                <a:ext cx="3200399" cy="2941983"/>
+              </a:xfrm>
+              <a:prstGeom prst="line">
+                <a:avLst/>
+              </a:prstGeom>
+            </p:spPr>
+            <p:style>
+              <a:lnRef idx="1">
+                <a:schemeClr val="accent1"/>
+              </a:lnRef>
+              <a:fillRef idx="0">
+                <a:schemeClr val="accent1"/>
+              </a:fillRef>
+              <a:effectRef idx="0">
+                <a:schemeClr val="accent1"/>
+              </a:effectRef>
+              <a:fontRef idx="minor">
+                <a:schemeClr val="tx1"/>
+              </a:fontRef>
+            </p:style>
+          </p:cxnSp>
+        </p:grpSp>
+        <p:sp>
+          <p:nvSpPr>
+            <p:cNvPr id="29" name="왼쪽/위쪽 화살표[L] 28"/>
+            <p:cNvSpPr/>
+            <p:nvPr/>
+          </p:nvSpPr>
+          <p:spPr>
+            <a:xfrm rot="5400000">
+              <a:off x="2823723" y="2565307"/>
+              <a:ext cx="1749288" cy="1707511"/>
+            </a:xfrm>
+            <a:prstGeom prst="leftUpArrow">
+              <a:avLst/>
+            </a:prstGeom>
+          </p:spPr>
+          <p:style>
+            <a:lnRef idx="2">
+              <a:schemeClr val="accent1">
+                <a:shade val="50000"/>
+              </a:schemeClr>
+            </a:lnRef>
+            <a:fillRef idx="1">
+              <a:schemeClr val="accent1"/>
+            </a:fillRef>
+            <a:effectRef idx="0">
+              <a:schemeClr val="accent1"/>
+            </a:effectRef>
+            <a:fontRef idx="minor">
+              <a:schemeClr val="lt1"/>
+            </a:fontRef>
+          </p:style>
+          <p:txBody>
+            <a:bodyPr rtlCol="0" anchor="ctr"/>
+            <a:lstStyle/>
+            <a:p>
+              <a:pPr algn="ctr"/>
+              <a:endParaRPr kumimoji="1" lang="ko-KR" altLang="en-US"/>
+            </a:p>
+          </p:txBody>
+        </p:sp>
+        <p:sp>
+          <p:nvSpPr>
+            <p:cNvPr id="30" name="왼쪽/위쪽 화살표[L] 29"/>
+            <p:cNvSpPr/>
+            <p:nvPr/>
+          </p:nvSpPr>
+          <p:spPr>
+            <a:xfrm rot="16200000">
+              <a:off x="1327524" y="3758000"/>
+              <a:ext cx="1749288" cy="1707511"/>
+            </a:xfrm>
+            <a:prstGeom prst="leftUpArrow">
+              <a:avLst/>
+            </a:prstGeom>
+          </p:spPr>
+          <p:style>
+            <a:lnRef idx="2">
+              <a:schemeClr val="accent1">
+                <a:shade val="50000"/>
+              </a:schemeClr>
+            </a:lnRef>
+            <a:fillRef idx="1">
+              <a:schemeClr val="accent1"/>
+            </a:fillRef>
+            <a:effectRef idx="0">
+              <a:schemeClr val="accent1"/>
+            </a:effectRef>
+            <a:fontRef idx="minor">
+              <a:schemeClr val="lt1"/>
+            </a:fontRef>
+          </p:style>
+          <p:txBody>
+            <a:bodyPr rtlCol="0" anchor="ctr"/>
+            <a:lstStyle/>
+            <a:p>
+              <a:pPr algn="ctr"/>
+              <a:endParaRPr kumimoji="1" lang="ko-KR" altLang="en-US"/>
+            </a:p>
+          </p:txBody>
+        </p:sp>
+        <p:sp>
+          <p:nvSpPr>
+            <p:cNvPr id="31" name="왼쪽/위쪽 화살표[L] 30"/>
+            <p:cNvSpPr/>
+            <p:nvPr/>
+          </p:nvSpPr>
+          <p:spPr>
+            <a:xfrm>
+              <a:off x="7504901" y="2566319"/>
+              <a:ext cx="1749288" cy="1707511"/>
+            </a:xfrm>
+            <a:prstGeom prst="leftUpArrow">
+              <a:avLst/>
+            </a:prstGeom>
+          </p:spPr>
+          <p:style>
+            <a:lnRef idx="2">
+              <a:schemeClr val="accent1">
+                <a:shade val="50000"/>
+              </a:schemeClr>
+            </a:lnRef>
+            <a:fillRef idx="1">
+              <a:schemeClr val="accent1"/>
+            </a:fillRef>
+            <a:effectRef idx="0">
+              <a:schemeClr val="accent1"/>
+            </a:effectRef>
+            <a:fontRef idx="minor">
+              <a:schemeClr val="lt1"/>
+            </a:fontRef>
+          </p:style>
+          <p:txBody>
+            <a:bodyPr rtlCol="0" anchor="ctr"/>
+            <a:lstStyle/>
+            <a:p>
+              <a:pPr algn="ctr"/>
+              <a:endParaRPr kumimoji="1" lang="ko-KR" altLang="en-US"/>
+            </a:p>
+          </p:txBody>
+        </p:sp>
+        <p:sp>
+          <p:nvSpPr>
+            <p:cNvPr id="32" name="왼쪽/위쪽 화살표[L] 31"/>
+            <p:cNvSpPr/>
+            <p:nvPr/>
+          </p:nvSpPr>
+          <p:spPr>
+            <a:xfrm rot="10800000">
+              <a:off x="8958469" y="3757999"/>
+              <a:ext cx="1749288" cy="1707511"/>
+            </a:xfrm>
+            <a:prstGeom prst="leftUpArrow">
+              <a:avLst/>
+            </a:prstGeom>
+          </p:spPr>
+          <p:style>
+            <a:lnRef idx="2">
+              <a:schemeClr val="accent1">
+                <a:shade val="50000"/>
+              </a:schemeClr>
+            </a:lnRef>
+            <a:fillRef idx="1">
+              <a:schemeClr val="accent1"/>
+            </a:fillRef>
+            <a:effectRef idx="0">
+              <a:schemeClr val="accent1"/>
+            </a:effectRef>
+            <a:fontRef idx="minor">
+              <a:schemeClr val="lt1"/>
+            </a:fontRef>
+          </p:style>
+          <p:txBody>
+            <a:bodyPr rtlCol="0" anchor="ctr"/>
+            <a:lstStyle/>
+            <a:p>
+              <a:pPr algn="ctr"/>
+              <a:endParaRPr kumimoji="1" lang="ko-KR" altLang="en-US"/>
+            </a:p>
+          </p:txBody>
+        </p:sp>
+      </p:grpSp>
+    </p:spTree>
+    <p:extLst>
+      <p:ext uri="{BB962C8B-B14F-4D97-AF65-F5344CB8AC3E}">
+        <p14:creationId xmlns:p14="http://schemas.microsoft.com/office/powerpoint/2010/main" val="1399307020"/>
+      </p:ext>
+    </p:extLst>
+  </p:cSld>
+  <p:clrMapOvr>
+    <a:masterClrMapping/>
+  </p:clrMapOvr>
+</p:sld>
+</file>
+
+<file path=ppt/slides/slide14.xml><?xml version="1.0" encoding="utf-8"?>
+<p:sld xmlns:a="http://schemas.openxmlformats.org/drawingml/2006/main" xmlns:r="http://schemas.openxmlformats.org/officeDocument/2006/relationships" xmlns:p="http://schemas.openxmlformats.org/presentationml/2006/main">
+  <p:cSld>
+    <p:spTree>
+      <p:nvGrpSpPr>
+        <p:cNvPr id="1" name=""/>
+        <p:cNvGrpSpPr/>
+        <p:nvPr/>
+      </p:nvGrpSpPr>
+      <p:grpSpPr>
+        <a:xfrm>
+          <a:off x="0" y="0"/>
+          <a:ext cx="0" cy="0"/>
+          <a:chOff x="0" y="0"/>
+          <a:chExt cx="0" cy="0"/>
+        </a:xfrm>
+      </p:grpSpPr>
+      <p:sp>
+        <p:nvSpPr>
+          <p:cNvPr id="2" name="제목 1"/>
+          <p:cNvSpPr>
+            <a:spLocks noGrp="1"/>
+          </p:cNvSpPr>
+          <p:nvPr>
+            <p:ph type="title"/>
+          </p:nvPr>
+        </p:nvSpPr>
+        <p:spPr/>
+        <p:txBody>
+          <a:bodyPr/>
+          <a:lstStyle/>
+          <a:p>
+            <a:r>
+              <a:rPr kumimoji="1" lang="ko-KR" altLang="en-US" dirty="0" smtClean="0"/>
+              <a:t>문제</a:t>
+            </a:r>
+            <a:endParaRPr kumimoji="1" lang="ko-KR" altLang="en-US" dirty="0"/>
+          </a:p>
+        </p:txBody>
+      </p:sp>
+      <p:sp>
+        <p:nvSpPr>
+          <p:cNvPr id="3" name="내용 개체 틀 2"/>
+          <p:cNvSpPr>
+            <a:spLocks noGrp="1"/>
+          </p:cNvSpPr>
+          <p:nvPr>
+            <p:ph idx="1"/>
+          </p:nvPr>
+        </p:nvSpPr>
+        <p:spPr/>
+        <p:txBody>
+          <a:bodyPr/>
+          <a:lstStyle/>
+          <a:p>
+            <a:r>
+              <a:rPr kumimoji="1" lang="en-US" altLang="ko-KR" dirty="0" smtClean="0">
+                <a:hlinkClick r:id="rId2"/>
+              </a:rPr>
+              <a:t>https://www.acmicpc.net/problem/2842</a:t>
+            </a:r>
+            <a:endParaRPr kumimoji="1" lang="en-US" altLang="ko-KR" dirty="0" smtClean="0"/>
+          </a:p>
+          <a:p>
+            <a:endParaRPr kumimoji="1" lang="en-US" altLang="ko-KR" dirty="0"/>
+          </a:p>
+          <a:p>
+            <a:endParaRPr kumimoji="1" lang="ko-KR" altLang="en-US" dirty="0"/>
+          </a:p>
+        </p:txBody>
+      </p:sp>
+    </p:spTree>
+    <p:extLst>
+      <p:ext uri="{BB962C8B-B14F-4D97-AF65-F5344CB8AC3E}">
+        <p14:creationId xmlns:p14="http://schemas.microsoft.com/office/powerpoint/2010/main" val="582096087"/>
       </p:ext>
     </p:extLst>
   </p:cSld>
@@ -5537,7 +6741,7 @@
           <a:p>
             <a:r>
               <a:rPr kumimoji="1" lang="ko-KR" altLang="en-US" dirty="0" smtClean="0"/>
-              <a:t>큐 구현하기</a:t>
+              <a:t>너비 우선 탐색</a:t>
             </a:r>
             <a:endParaRPr kumimoji="1" lang="ko-KR" altLang="en-US" dirty="0"/>
           </a:p>
@@ -5555,12 +6759,14 @@
         </p:nvSpPr>
         <p:spPr/>
         <p:txBody>
-          <a:bodyPr/>
+          <a:bodyPr>
+            <a:normAutofit fontScale="92500" lnSpcReduction="10000"/>
+          </a:bodyPr>
           <a:lstStyle/>
           <a:p>
             <a:r>
               <a:rPr kumimoji="1" lang="ko-KR" altLang="en-US" dirty="0" smtClean="0"/>
-              <a:t>연결리스트</a:t>
+              <a:t>다익스트라</a:t>
             </a:r>
             <a:r>
               <a:rPr kumimoji="1" lang="en-US" altLang="ko-KR" dirty="0" smtClean="0"/>
@@ -5568,12 +6774,75 @@
             </a:r>
             <a:r>
               <a:rPr kumimoji="1" lang="ko-KR" altLang="en-US" dirty="0" smtClean="0"/>
-              <a:t> 원형 큐 사용</a:t>
+              <a:t> 프림 최소 스패닝 트리 알고리즘의 기반</a:t>
             </a:r>
             <a:endParaRPr kumimoji="1" lang="en-US" altLang="ko-KR" dirty="0" smtClean="0"/>
           </a:p>
           <a:p>
-            <a:endParaRPr kumimoji="1" lang="ko-KR" altLang="en-US" dirty="0"/>
+            <a:endParaRPr kumimoji="1" lang="en-US" altLang="ko-KR" dirty="0"/>
+          </a:p>
+          <a:p>
+            <a:r>
+              <a:rPr kumimoji="1" lang="ko-KR" altLang="en-US" dirty="0" smtClean="0"/>
+              <a:t>시작점에서 가까운 순서대로 방문</a:t>
+            </a:r>
+            <a:endParaRPr kumimoji="1" lang="en-US" altLang="ko-KR" dirty="0" smtClean="0"/>
+          </a:p>
+          <a:p>
+            <a:endParaRPr kumimoji="1" lang="en-US" altLang="ko-KR" dirty="0"/>
+          </a:p>
+          <a:p>
+            <a:r>
+              <a:rPr kumimoji="1" lang="ko-KR" altLang="en-US" dirty="0" smtClean="0"/>
+              <a:t>목록에 먼저 넣은 정점을 항상 먼저 꺼낸다 </a:t>
+            </a:r>
+            <a:r>
+              <a:rPr kumimoji="1" lang="en-US" altLang="ko-KR" dirty="0" smtClean="0"/>
+              <a:t/>
+            </a:r>
+            <a:br>
+              <a:rPr kumimoji="1" lang="en-US" altLang="ko-KR" dirty="0" smtClean="0"/>
+            </a:br>
+            <a:r>
+              <a:rPr kumimoji="1" lang="en-US" altLang="ko-KR" dirty="0" smtClean="0"/>
+              <a:t>		=&gt;</a:t>
+            </a:r>
+            <a:r>
+              <a:rPr kumimoji="1" lang="ko-KR" altLang="en-US" dirty="0" smtClean="0"/>
+              <a:t> 큐 사용</a:t>
+            </a:r>
+            <a:endParaRPr kumimoji="1" lang="en-US" altLang="ko-KR" dirty="0" smtClean="0"/>
+          </a:p>
+          <a:p>
+            <a:endParaRPr kumimoji="1" lang="en-US" altLang="ko-KR" dirty="0"/>
+          </a:p>
+          <a:p>
+            <a:r>
+              <a:rPr kumimoji="1" lang="ko-KR" altLang="en-US" dirty="0" smtClean="0"/>
+              <a:t>발견 </a:t>
+            </a:r>
+            <a:r>
+              <a:rPr kumimoji="1" lang="en-US" altLang="ko-KR" dirty="0" smtClean="0"/>
+              <a:t>vs</a:t>
+            </a:r>
+            <a:r>
+              <a:rPr kumimoji="1" lang="ko-KR" altLang="en-US" dirty="0" smtClean="0"/>
+              <a:t> 방문</a:t>
+            </a:r>
+            <a:endParaRPr kumimoji="1" lang="en-US" altLang="ko-KR" dirty="0" smtClean="0"/>
+          </a:p>
+          <a:p>
+            <a:endParaRPr kumimoji="1" lang="en-US" altLang="ko-KR" dirty="0"/>
+          </a:p>
+          <a:p>
+            <a:r>
+              <a:rPr kumimoji="1" lang="ko-KR" altLang="en-US" dirty="0" smtClean="0"/>
+              <a:t>시간 복잡도 </a:t>
+            </a:r>
+            <a:r>
+              <a:rPr kumimoji="1" lang="en-US" altLang="ko-KR" dirty="0" smtClean="0"/>
+              <a:t>O(V+E) / O(V*V)</a:t>
+            </a:r>
           </a:p>
         </p:txBody>
       </p:sp>
@@ -5623,8 +6892,8 @@
           <a:lstStyle/>
           <a:p>
             <a:r>
-              <a:rPr kumimoji="1" lang="en-US" altLang="ko-KR" dirty="0" smtClean="0"/>
-              <a:t>sort game</a:t>
+              <a:rPr kumimoji="1" lang="ko-KR" altLang="en-US" dirty="0" smtClean="0"/>
+              <a:t>너비 우선 탐색과 최단 거리</a:t>
             </a:r>
             <a:endParaRPr kumimoji="1" lang="ko-KR" altLang="en-US" dirty="0"/>
           </a:p>
@@ -5642,31 +6911,22 @@
         </p:nvSpPr>
         <p:spPr/>
         <p:txBody>
-          <a:bodyPr>
-            <a:normAutofit fontScale="92500" lnSpcReduction="20000"/>
-          </a:bodyPr>
+          <a:bodyPr/>
           <a:lstStyle/>
           <a:p>
             <a:r>
-              <a:rPr kumimoji="1" lang="en-US" altLang="ko-KR" dirty="0" smtClean="0"/>
-              <a:t>map - </a:t>
-            </a:r>
-            <a:r>
               <a:rPr kumimoji="1" lang="ko-KR" altLang="en-US" dirty="0" smtClean="0"/>
-              <a:t>균형잡힌이진트리</a:t>
-            </a:r>
-            <a:r>
-              <a:rPr kumimoji="1" lang="en-US" altLang="ko-KR" dirty="0" smtClean="0"/>
-              <a:t> O(</a:t>
+              <a:t>최단경로 문제를 </a:t>
             </a:r>
             <a:r>
               <a:rPr kumimoji="1" lang="en-US" altLang="ko-KR" dirty="0" err="1" smtClean="0"/>
-              <a:t>logN</a:t>
-            </a:r>
-            <a:r>
-              <a:rPr kumimoji="1" lang="en-US" altLang="ko-KR" dirty="0" smtClean="0"/>
-              <a:t>)</a:t>
-            </a:r>
+              <a:t>dfs</a:t>
+            </a:r>
+            <a:r>
+              <a:rPr kumimoji="1" lang="ko-KR" altLang="en-US" dirty="0" smtClean="0"/>
+              <a:t> 로 풀면 어떻게 될까요</a:t>
+            </a:r>
+            <a:endParaRPr kumimoji="1" lang="en-US" altLang="ko-KR" dirty="0" smtClean="0"/>
           </a:p>
           <a:p>
             <a:endParaRPr kumimoji="1" lang="en-US" altLang="ko-KR" dirty="0"/>
@@ -5674,108 +6934,20 @@
           <a:p>
             <a:r>
               <a:rPr kumimoji="1" lang="ko-KR" altLang="en-US" dirty="0" smtClean="0"/>
-              <a:t>정렬이니까 </a:t>
-            </a:r>
-            <a:r>
-              <a:rPr kumimoji="1" lang="en-US" altLang="ko-KR" dirty="0" smtClean="0"/>
-              <a:t>!!!</a:t>
-            </a:r>
-            <a:r>
-              <a:rPr kumimoji="1" lang="ko-KR" altLang="en-US" dirty="0" smtClean="0"/>
-              <a:t> 숫자들의 상대적 크기가 같으면 필요한 연산 수도 같다</a:t>
-            </a:r>
-            <a:r>
-              <a:rPr kumimoji="1" lang="en-US" altLang="ko-KR" dirty="0" smtClean="0"/>
+              <a:t>부모를 유지시켜 추적한다</a:t>
+            </a:r>
+            <a:r>
+              <a:rPr kumimoji="1" lang="en-US" altLang="ko-KR" dirty="0"/>
               <a:t>.</a:t>
             </a:r>
-          </a:p>
-          <a:p>
-            <a:r>
-              <a:rPr kumimoji="1" lang="en-US" altLang="ko-KR" dirty="0" smtClean="0"/>
-              <a:t>ex) </a:t>
-            </a:r>
-            <a:r>
-              <a:rPr lang="cs-CZ" altLang="ko-KR" dirty="0" smtClean="0"/>
-              <a:t>53 </a:t>
-            </a:r>
-            <a:r>
-              <a:rPr lang="cs-CZ" altLang="ko-KR" dirty="0"/>
-              <a:t>22 33 42 </a:t>
-            </a:r>
-            <a:r>
-              <a:rPr lang="cs-CZ" altLang="ko-KR" dirty="0" smtClean="0"/>
-              <a:t>62	</a:t>
-            </a:r>
-            <a:br>
-              <a:rPr lang="cs-CZ" altLang="ko-KR" dirty="0" smtClean="0"/>
-            </a:br>
-            <a:r>
-              <a:rPr lang="cs-CZ" altLang="ko-KR" dirty="0" smtClean="0"/>
-              <a:t>	</a:t>
-            </a:r>
-            <a:r>
-              <a:rPr lang="cs-CZ" altLang="ko-KR" b="1" dirty="0" smtClean="0"/>
-              <a:t>3  0  1   2  4</a:t>
-            </a:r>
-            <a:r>
-              <a:rPr lang="cs-CZ" altLang="ko-KR" b="1" dirty="0"/>
-              <a:t> </a:t>
-            </a:r>
-            <a:endParaRPr lang="cs-CZ" altLang="ko-KR" dirty="0"/>
-          </a:p>
-          <a:p>
-            <a:endParaRPr kumimoji="1" lang="en-US" altLang="ko-KR" dirty="0"/>
-          </a:p>
-          <a:p>
-            <a:r>
-              <a:rPr kumimoji="1" lang="ko-KR" altLang="en-US" dirty="0" smtClean="0"/>
-              <a:t>배열을 정렬하는 데 드는 연산 수 </a:t>
-            </a:r>
-            <a:r>
-              <a:rPr kumimoji="1" lang="en-US" altLang="ko-KR" dirty="0" smtClean="0"/>
-              <a:t>==</a:t>
-            </a:r>
-            <a:r>
-              <a:rPr kumimoji="1" lang="ko-KR" altLang="en-US" dirty="0" smtClean="0"/>
-              <a:t> </a:t>
-            </a:r>
-            <a:r>
-              <a:rPr kumimoji="1" lang="en-US" altLang="ko-KR" dirty="0" smtClean="0"/>
-              <a:t/>
-            </a:r>
-            <a:br>
-              <a:rPr kumimoji="1" lang="en-US" altLang="ko-KR" dirty="0" smtClean="0"/>
-            </a:br>
-            <a:r>
-              <a:rPr kumimoji="1" lang="en-US" altLang="ko-KR" dirty="0" smtClean="0"/>
-              <a:t>			</a:t>
-            </a:r>
-            <a:r>
-              <a:rPr kumimoji="1" lang="ko-KR" altLang="en-US" dirty="0" smtClean="0"/>
-              <a:t>정렬된 배열을 원래 배열로 바꾸는 연산 수</a:t>
-            </a:r>
-            <a:endParaRPr kumimoji="1" lang="en-US" altLang="ko-KR" dirty="0" smtClean="0"/>
-          </a:p>
-          <a:p>
-            <a:endParaRPr kumimoji="1" lang="en-US" altLang="ko-KR" dirty="0"/>
-          </a:p>
-          <a:p>
-            <a:r>
-              <a:rPr kumimoji="1" lang="ko-KR" altLang="en-US" dirty="0" smtClean="0"/>
-              <a:t>이 두가지를 이용해 전처리 한다</a:t>
-            </a:r>
-            <a:r>
-              <a:rPr kumimoji="1" lang="en-US" altLang="ko-KR" dirty="0"/>
-              <a:t>!</a:t>
-            </a:r>
-            <a:endParaRPr kumimoji="1" lang="en-US" altLang="ko-KR" dirty="0" smtClean="0"/>
+            <a:endParaRPr kumimoji="1" lang="ko-KR" altLang="en-US" dirty="0"/>
           </a:p>
         </p:txBody>
       </p:sp>
     </p:spTree>
     <p:extLst>
       <p:ext uri="{BB962C8B-B14F-4D97-AF65-F5344CB8AC3E}">
-        <p14:creationId xmlns:p14="http://schemas.microsoft.com/office/powerpoint/2010/main" val="1310811288"/>
+        <p14:creationId xmlns:p14="http://schemas.microsoft.com/office/powerpoint/2010/main" val="496024627"/>
       </p:ext>
     </p:extLst>
   </p:cSld>
@@ -5844,27 +7016,95 @@
           <a:p>
             <a:r>
               <a:rPr kumimoji="1" lang="en-US" altLang="ko-KR" dirty="0" smtClean="0"/>
-              <a:t>1</a:t>
+              <a:t>map - </a:t>
             </a:r>
             <a:r>
               <a:rPr kumimoji="1" lang="ko-KR" altLang="en-US" dirty="0" smtClean="0"/>
-              <a:t> 이상 </a:t>
+              <a:t>균형잡힌이진트리</a:t>
             </a:r>
             <a:r>
               <a:rPr kumimoji="1" lang="en-US" altLang="ko-KR" dirty="0" smtClean="0"/>
-              <a:t>8</a:t>
-            </a:r>
+              <a:t> O(</a:t>
+            </a:r>
+            <a:r>
+              <a:rPr kumimoji="1" lang="en-US" altLang="ko-KR" dirty="0" err="1" smtClean="0"/>
+              <a:t>logN</a:t>
+            </a:r>
+            <a:r>
+              <a:rPr kumimoji="1" lang="en-US" altLang="ko-KR" dirty="0" smtClean="0"/>
+              <a:t>)</a:t>
+            </a:r>
+          </a:p>
+          <a:p>
+            <a:endParaRPr kumimoji="1" lang="en-US" altLang="ko-KR" dirty="0"/>
+          </a:p>
+          <a:p>
             <a:r>
               <a:rPr kumimoji="1" lang="ko-KR" altLang="en-US" dirty="0" smtClean="0"/>
-              <a:t> 이하의 모든 </a:t>
+              <a:t>정렬이니까 </a:t>
             </a:r>
             <a:r>
               <a:rPr kumimoji="1" lang="en-US" altLang="ko-KR" dirty="0" smtClean="0"/>
-              <a:t>n</a:t>
+              <a:t>!!!</a:t>
             </a:r>
             <a:r>
               <a:rPr kumimoji="1" lang="ko-KR" altLang="en-US" dirty="0" smtClean="0"/>
-              <a:t> 에 대해 </a:t>
+              <a:t> 숫자들의 상대적 크기가 같으면 필요한 연산 수도 같다</a:t>
+            </a:r>
+            <a:r>
+              <a:rPr kumimoji="1" lang="en-US" altLang="ko-KR" dirty="0" smtClean="0"/>
+              <a:t>.</a:t>
+            </a:r>
+          </a:p>
+          <a:p>
+            <a:r>
+              <a:rPr kumimoji="1" lang="en-US" altLang="ko-KR" dirty="0" smtClean="0"/>
+              <a:t>ex) </a:t>
+            </a:r>
+            <a:r>
+              <a:rPr lang="cs-CZ" altLang="ko-KR" dirty="0" smtClean="0"/>
+              <a:t>53 </a:t>
+            </a:r>
+            <a:r>
+              <a:rPr lang="cs-CZ" altLang="ko-KR" dirty="0"/>
+              <a:t>22 33 42 </a:t>
+            </a:r>
+            <a:r>
+              <a:rPr lang="cs-CZ" altLang="ko-KR" dirty="0" smtClean="0"/>
+              <a:t>62	</a:t>
+            </a:r>
+            <a:br>
+              <a:rPr lang="cs-CZ" altLang="ko-KR" dirty="0" smtClean="0"/>
+            </a:br>
+            <a:r>
+              <a:rPr lang="cs-CZ" altLang="ko-KR" dirty="0" smtClean="0"/>
+              <a:t>	</a:t>
+            </a:r>
+            <a:r>
+              <a:rPr lang="cs-CZ" altLang="ko-KR" b="1" dirty="0" smtClean="0"/>
+              <a:t>3  0  1   2  4</a:t>
+            </a:r>
+            <a:r>
+              <a:rPr lang="cs-CZ" altLang="ko-KR" b="1" dirty="0"/>
+              <a:t> </a:t>
+            </a:r>
+            <a:endParaRPr lang="cs-CZ" altLang="ko-KR" dirty="0"/>
+          </a:p>
+          <a:p>
+            <a:endParaRPr kumimoji="1" lang="en-US" altLang="ko-KR" dirty="0"/>
+          </a:p>
+          <a:p>
+            <a:r>
+              <a:rPr kumimoji="1" lang="ko-KR" altLang="en-US" dirty="0" smtClean="0"/>
+              <a:t>배열을 정렬하는 데 드는 연산 수 </a:t>
+            </a:r>
+            <a:r>
+              <a:rPr kumimoji="1" lang="en-US" altLang="ko-KR" dirty="0" smtClean="0"/>
+              <a:t>==</a:t>
+            </a:r>
+            <a:r>
+              <a:rPr kumimoji="1" lang="ko-KR" altLang="en-US" dirty="0" smtClean="0"/>
+              <a:t> </a:t>
             </a:r>
             <a:r>
               <a:rPr kumimoji="1" lang="en-US" altLang="ko-KR" dirty="0" smtClean="0"/>
@@ -5875,195 +7115,34 @@
             </a:br>
             <a:r>
               <a:rPr kumimoji="1" lang="en-US" altLang="ko-KR" dirty="0" smtClean="0"/>
-              <a:t>		</a:t>
+              <a:t>			</a:t>
             </a:r>
             <a:r>
               <a:rPr kumimoji="1" lang="ko-KR" altLang="en-US" dirty="0" smtClean="0"/>
-              <a:t>정렬된 배열 </a:t>
-            </a:r>
-            <a:r>
-              <a:rPr kumimoji="1" lang="en-US" altLang="ko-KR" dirty="0" smtClean="0"/>
-              <a:t>-&gt;</a:t>
-            </a:r>
+              <a:t>정렬된 배열을 원래 배열로 바꾸는 연산 수</a:t>
+            </a:r>
+            <a:endParaRPr kumimoji="1" lang="en-US" altLang="ko-KR" dirty="0" smtClean="0"/>
+          </a:p>
+          <a:p>
+            <a:endParaRPr kumimoji="1" lang="en-US" altLang="ko-KR" dirty="0"/>
+          </a:p>
+          <a:p>
             <a:r>
               <a:rPr kumimoji="1" lang="ko-KR" altLang="en-US" dirty="0" smtClean="0"/>
-              <a:t> 다른 모든 상태</a:t>
-            </a:r>
-            <a:r>
-              <a:rPr kumimoji="1" lang="en-US" altLang="ko-KR" dirty="0" smtClean="0"/>
-              <a:t/>
-            </a:r>
-            <a:br>
-              <a:rPr kumimoji="1" lang="en-US" altLang="ko-KR" dirty="0" smtClean="0"/>
-            </a:br>
-            <a:r>
-              <a:rPr kumimoji="1" lang="ko-KR" altLang="en-US" dirty="0" smtClean="0"/>
-              <a:t>까지 필요한 뒤집기 연산의 수를 </a:t>
-            </a:r>
-            <a:r>
-              <a:rPr kumimoji="1" lang="en-US" altLang="ko-KR" dirty="0" err="1" smtClean="0"/>
-              <a:t>bfs</a:t>
-            </a:r>
-            <a:r>
-              <a:rPr kumimoji="1" lang="ko-KR" altLang="en-US" dirty="0" smtClean="0"/>
-              <a:t>를 통해 계산해둔다</a:t>
-            </a:r>
-            <a:r>
-              <a:rPr kumimoji="1" lang="en-US" altLang="ko-KR" dirty="0" smtClean="0"/>
-              <a:t>. </a:t>
-            </a:r>
-            <a:br>
-              <a:rPr kumimoji="1" lang="en-US" altLang="ko-KR" dirty="0" smtClean="0"/>
-            </a:br>
-            <a:r>
-              <a:rPr kumimoji="1" lang="en-US" altLang="ko-KR" dirty="0" smtClean="0"/>
-              <a:t>-&gt; </a:t>
-            </a:r>
-            <a:r>
-              <a:rPr lang="en-US" altLang="ko-KR" dirty="0" err="1" smtClean="0"/>
-              <a:t>toSort</a:t>
+              <a:t>이 두가지를 이용해 전처리 한다</a:t>
+            </a:r>
+            <a:r>
+              <a:rPr kumimoji="1" lang="en-US" altLang="ko-KR" dirty="0"/>
+              <a:t>!</a:t>
             </a:r>
             <a:endParaRPr kumimoji="1" lang="en-US" altLang="ko-KR" dirty="0" smtClean="0"/>
-          </a:p>
-          <a:p>
-            <a:endParaRPr kumimoji="1" lang="en-US" altLang="ko-KR" dirty="0" smtClean="0"/>
-          </a:p>
-          <a:p>
-            <a:r>
-              <a:rPr kumimoji="1" lang="en-US" altLang="ko-KR" dirty="0" smtClean="0"/>
-              <a:t>map </a:t>
-            </a:r>
-            <a:r>
-              <a:rPr kumimoji="1" lang="ko-KR" altLang="en-US" dirty="0" smtClean="0"/>
-              <a:t>에 특정</a:t>
-            </a:r>
-            <a:r>
-              <a:rPr kumimoji="1" lang="en-US" altLang="ko-KR" dirty="0"/>
-              <a:t> </a:t>
-            </a:r>
-            <a:r>
-              <a:rPr kumimoji="1" lang="en-US" altLang="ko-KR" dirty="0" smtClean="0"/>
-              <a:t>key</a:t>
-            </a:r>
-            <a:r>
-              <a:rPr kumimoji="1" lang="ko-KR" altLang="en-US" dirty="0" smtClean="0"/>
-              <a:t>가 있는지 알아내려면</a:t>
-            </a:r>
-            <a:r>
-              <a:rPr kumimoji="1" lang="en-US" altLang="ko-KR" dirty="0"/>
-              <a:t>	</a:t>
-            </a:r>
-            <a:endParaRPr kumimoji="1" lang="en-US" altLang="ko-KR" dirty="0" smtClean="0"/>
-          </a:p>
-          <a:p>
-            <a:r>
-              <a:rPr kumimoji="1" lang="en-US" altLang="ko-KR" dirty="0" err="1" smtClean="0"/>
-              <a:t>map.find</a:t>
-            </a:r>
-            <a:r>
-              <a:rPr kumimoji="1" lang="en-US" altLang="ko-KR" dirty="0" smtClean="0"/>
-              <a:t>(key)</a:t>
-            </a:r>
-          </a:p>
-          <a:p>
-            <a:pPr lvl="1"/>
-            <a:r>
-              <a:rPr kumimoji="1" lang="en-US" altLang="ko-KR" dirty="0" smtClean="0"/>
-              <a:t>key</a:t>
-            </a:r>
-            <a:r>
-              <a:rPr kumimoji="1" lang="ko-KR" altLang="en-US" dirty="0" smtClean="0"/>
-              <a:t> 를 찾으면 </a:t>
-            </a:r>
-            <a:r>
-              <a:rPr kumimoji="1" lang="en-US" altLang="ko-KR" dirty="0" smtClean="0"/>
-              <a:t>key iterator</a:t>
-            </a:r>
-            <a:r>
-              <a:rPr kumimoji="1" lang="ko-KR" altLang="en-US" dirty="0" smtClean="0"/>
-              <a:t> 반환</a:t>
-            </a:r>
-            <a:endParaRPr kumimoji="1" lang="en-US" altLang="ko-KR" dirty="0" smtClean="0"/>
-          </a:p>
-          <a:p>
-            <a:pPr lvl="1"/>
-            <a:r>
-              <a:rPr kumimoji="1" lang="en-US" altLang="ko-KR" dirty="0" smtClean="0"/>
-              <a:t>key</a:t>
-            </a:r>
-            <a:r>
-              <a:rPr kumimoji="1" lang="ko-KR" altLang="en-US" dirty="0" smtClean="0"/>
-              <a:t> 를 못찾으면 </a:t>
-            </a:r>
-            <a:r>
-              <a:rPr kumimoji="1" lang="en-US" altLang="ko-KR" dirty="0" smtClean="0"/>
-              <a:t>map::end</a:t>
-            </a:r>
-            <a:r>
-              <a:rPr kumimoji="1" lang="ko-KR" altLang="en-US" dirty="0" smtClean="0"/>
-              <a:t> 반환</a:t>
-            </a:r>
-            <a:endParaRPr kumimoji="1" lang="en-US" altLang="ko-KR" dirty="0"/>
-          </a:p>
-          <a:p>
-            <a:r>
-              <a:rPr kumimoji="1" lang="en-US" altLang="ko-KR" dirty="0" err="1" smtClean="0"/>
-              <a:t>map.count</a:t>
-            </a:r>
-            <a:r>
-              <a:rPr kumimoji="1" lang="en-US" altLang="ko-KR" dirty="0" smtClean="0"/>
-              <a:t>(key)</a:t>
-            </a:r>
-          </a:p>
-          <a:p>
-            <a:pPr lvl="1"/>
-            <a:r>
-              <a:rPr kumimoji="1" lang="ko-KR" altLang="en-US" dirty="0" smtClean="0"/>
-              <a:t>원소가 몇개인지 반환하는 함수지만 </a:t>
-            </a:r>
-            <a:r>
-              <a:rPr kumimoji="1" lang="en-US" altLang="ko-KR" dirty="0" smtClean="0"/>
-              <a:t>map</a:t>
-            </a:r>
-            <a:r>
-              <a:rPr kumimoji="1" lang="ko-KR" altLang="en-US" dirty="0" smtClean="0"/>
-              <a:t>은 중복을 허용하지 않으므로 </a:t>
-            </a:r>
-            <a:r>
-              <a:rPr kumimoji="1" lang="en-US" altLang="ko-KR" dirty="0" smtClean="0"/>
-              <a:t>key</a:t>
-            </a:r>
-            <a:r>
-              <a:rPr kumimoji="1" lang="ko-KR" altLang="en-US" dirty="0" smtClean="0"/>
-              <a:t> 가 존재하면 </a:t>
-            </a:r>
-            <a:r>
-              <a:rPr kumimoji="1" lang="en-US" altLang="ko-KR" dirty="0" smtClean="0"/>
-              <a:t>1,</a:t>
-            </a:r>
-            <a:r>
-              <a:rPr kumimoji="1" lang="ko-KR" altLang="en-US" dirty="0" smtClean="0"/>
-              <a:t> 존재하지 않으면 </a:t>
-            </a:r>
-            <a:r>
-              <a:rPr kumimoji="1" lang="en-US" altLang="ko-KR" dirty="0" smtClean="0"/>
-              <a:t>0</a:t>
-            </a:r>
-            <a:r>
-              <a:rPr kumimoji="1" lang="ko-KR" altLang="en-US" dirty="0" smtClean="0"/>
-              <a:t> 반환</a:t>
-            </a:r>
-            <a:endParaRPr kumimoji="1" lang="en-US" altLang="ko-KR" dirty="0" smtClean="0"/>
-          </a:p>
-          <a:p>
-            <a:endParaRPr kumimoji="1" lang="ko-KR" altLang="en-US" dirty="0"/>
           </a:p>
         </p:txBody>
       </p:sp>
     </p:spTree>
     <p:extLst>
       <p:ext uri="{BB962C8B-B14F-4D97-AF65-F5344CB8AC3E}">
-        <p14:creationId xmlns:p14="http://schemas.microsoft.com/office/powerpoint/2010/main" val="261639446"/>
+        <p14:creationId xmlns:p14="http://schemas.microsoft.com/office/powerpoint/2010/main" val="1310811288"/>
       </p:ext>
     </p:extLst>
   </p:cSld>
@@ -6126,157 +7205,232 @@
         <p:spPr/>
         <p:txBody>
           <a:bodyPr>
-            <a:normAutofit/>
+            <a:normAutofit fontScale="92500" lnSpcReduction="20000"/>
           </a:bodyPr>
           <a:lstStyle/>
           <a:p>
-            <a:pPr marL="0" marR="0" lvl="0" indent="0" defTabSz="914400" eaLnBrk="1" fontAlgn="auto" latinLnBrk="0" hangingPunct="1">
-              <a:lnSpc>
-                <a:spcPct val="70000"/>
-              </a:lnSpc>
-              <a:spcBef>
-                <a:spcPts val="0"/>
-              </a:spcBef>
-              <a:spcAft>
-                <a:spcPts val="0"/>
-              </a:spcAft>
-              <a:buClrTx/>
-              <a:buSzTx/>
-              <a:buFontTx/>
-              <a:buNone/>
-              <a:tabLst/>
-              <a:defRPr/>
-            </a:pPr>
-            <a:r>
-              <a:rPr lang="ko-KR" altLang="en-US" dirty="0" smtClean="0"/>
-              <a:t>뒤집기 연산을 직접 해봅시다</a:t>
-            </a:r>
-            <a:r>
-              <a:rPr lang="en-US" altLang="ko-KR" dirty="0" smtClean="0"/>
-              <a:t>.</a:t>
-            </a:r>
-          </a:p>
-          <a:p>
-            <a:pPr marL="0" marR="0" lvl="0" indent="0" defTabSz="914400" eaLnBrk="1" fontAlgn="auto" latinLnBrk="0" hangingPunct="1">
-              <a:lnSpc>
-                <a:spcPct val="70000"/>
-              </a:lnSpc>
-              <a:spcBef>
-                <a:spcPts val="0"/>
-              </a:spcBef>
-              <a:spcAft>
-                <a:spcPts val="0"/>
-              </a:spcAft>
-              <a:buClrTx/>
-              <a:buSzTx/>
-              <a:buFontTx/>
-              <a:buNone/>
-              <a:tabLst/>
-              <a:defRPr/>
-            </a:pPr>
-            <a:endParaRPr lang="cs-CZ" altLang="ko-KR" dirty="0" smtClean="0"/>
-          </a:p>
-          <a:p>
-            <a:pPr marL="0" marR="0" lvl="0" indent="0" defTabSz="914400" eaLnBrk="1" fontAlgn="auto" latinLnBrk="0" hangingPunct="1">
-              <a:lnSpc>
-                <a:spcPct val="70000"/>
-              </a:lnSpc>
-              <a:spcBef>
-                <a:spcPts val="0"/>
-              </a:spcBef>
-              <a:spcAft>
-                <a:spcPts val="0"/>
-              </a:spcAft>
-              <a:buClrTx/>
-              <a:buSzTx/>
-              <a:buFontTx/>
-              <a:buNone/>
-              <a:tabLst/>
-              <a:defRPr/>
-            </a:pPr>
-            <a:endParaRPr lang="cs-CZ" altLang="ko-KR" dirty="0"/>
-          </a:p>
-          <a:p>
-            <a:pPr marL="0" marR="0" lvl="0" indent="0" defTabSz="914400" eaLnBrk="1" fontAlgn="auto" latinLnBrk="0" hangingPunct="1">
-              <a:lnSpc>
-                <a:spcPct val="70000"/>
-              </a:lnSpc>
-              <a:spcBef>
-                <a:spcPts val="0"/>
-              </a:spcBef>
-              <a:spcAft>
-                <a:spcPts val="0"/>
-              </a:spcAft>
-              <a:buClrTx/>
-              <a:buSzTx/>
-              <a:buFontTx/>
-              <a:buNone/>
-              <a:tabLst/>
-              <a:defRPr/>
-            </a:pPr>
-            <a:r>
-              <a:rPr lang="en-US" altLang="ko-KR" dirty="0" smtClean="0"/>
-              <a:t>Ex)  0 , 1, 2</a:t>
-            </a:r>
-          </a:p>
-          <a:p>
-            <a:pPr marL="0" marR="0" lvl="0" indent="0" defTabSz="914400" eaLnBrk="1" fontAlgn="auto" latinLnBrk="0" hangingPunct="1">
-              <a:lnSpc>
-                <a:spcPct val="70000"/>
-              </a:lnSpc>
-              <a:spcBef>
-                <a:spcPts val="0"/>
-              </a:spcBef>
-              <a:spcAft>
-                <a:spcPts val="0"/>
-              </a:spcAft>
-              <a:buClrTx/>
-              <a:buSzTx/>
-              <a:buFontTx/>
-              <a:buNone/>
-              <a:tabLst/>
-              <a:defRPr/>
-            </a:pPr>
-            <a:endParaRPr lang="cs-CZ" altLang="ko-KR" dirty="0" smtClean="0"/>
-          </a:p>
-          <a:p>
-            <a:pPr marL="0" marR="0" lvl="0" indent="0" defTabSz="914400" eaLnBrk="1" fontAlgn="auto" latinLnBrk="0" hangingPunct="1">
-              <a:lnSpc>
-                <a:spcPct val="70000"/>
-              </a:lnSpc>
-              <a:spcBef>
-                <a:spcPts val="0"/>
-              </a:spcBef>
-              <a:spcAft>
-                <a:spcPts val="0"/>
-              </a:spcAft>
-              <a:buClrTx/>
-              <a:buSzTx/>
-              <a:buFontTx/>
-              <a:buNone/>
-              <a:tabLst/>
-              <a:defRPr/>
-            </a:pPr>
-            <a:r>
-              <a:rPr lang="en-US" altLang="ko-KR" dirty="0" smtClean="0"/>
-              <a:t>cost, </a:t>
+            <a:r>
+              <a:rPr kumimoji="1" lang="en-US" altLang="ko-KR" dirty="0" smtClean="0"/>
+              <a:t>1</a:t>
+            </a:r>
+            <a:r>
+              <a:rPr kumimoji="1" lang="ko-KR" altLang="en-US" dirty="0" smtClean="0"/>
+              <a:t> 이상 </a:t>
+            </a:r>
+            <a:r>
+              <a:rPr kumimoji="1" lang="en-US" altLang="ko-KR" dirty="0" smtClean="0"/>
+              <a:t>8</a:t>
+            </a:r>
+            <a:r>
+              <a:rPr kumimoji="1" lang="ko-KR" altLang="en-US" dirty="0" smtClean="0"/>
+              <a:t> 이하의 모든 </a:t>
+            </a:r>
+            <a:r>
+              <a:rPr kumimoji="1" lang="en-US" altLang="ko-KR" dirty="0" smtClean="0"/>
+              <a:t>n</a:t>
+            </a:r>
+            <a:r>
+              <a:rPr kumimoji="1" lang="ko-KR" altLang="en-US" dirty="0" smtClean="0"/>
+              <a:t> 에 대해 </a:t>
+            </a:r>
+            <a:r>
+              <a:rPr kumimoji="1" lang="en-US" altLang="ko-KR" dirty="0" smtClean="0"/>
+              <a:t/>
+            </a:r>
+            <a:br>
+              <a:rPr kumimoji="1" lang="en-US" altLang="ko-KR" dirty="0" smtClean="0"/>
+            </a:br>
+            <a:r>
+              <a:rPr kumimoji="1" lang="en-US" altLang="ko-KR" dirty="0" smtClean="0"/>
+              <a:t>		</a:t>
+            </a:r>
+            <a:r>
+              <a:rPr kumimoji="1" lang="ko-KR" altLang="en-US" dirty="0" smtClean="0"/>
+              <a:t>정렬된 배열 </a:t>
+            </a:r>
+            <a:r>
+              <a:rPr kumimoji="1" lang="en-US" altLang="ko-KR" dirty="0" smtClean="0"/>
+              <a:t>-&gt;</a:t>
+            </a:r>
+            <a:r>
+              <a:rPr kumimoji="1" lang="ko-KR" altLang="en-US" dirty="0" smtClean="0"/>
+              <a:t> 다른 모든 상태</a:t>
+            </a:r>
+            <a:r>
+              <a:rPr kumimoji="1" lang="en-US" altLang="ko-KR" dirty="0" smtClean="0"/>
+              <a:t/>
+            </a:r>
+            <a:br>
+              <a:rPr kumimoji="1" lang="en-US" altLang="ko-KR" dirty="0" smtClean="0"/>
+            </a:br>
+            <a:r>
+              <a:rPr kumimoji="1" lang="ko-KR" altLang="en-US" dirty="0" smtClean="0"/>
+              <a:t>까지 필요한 뒤집기 연산의 수를 </a:t>
+            </a:r>
+            <a:r>
+              <a:rPr kumimoji="1" lang="en-US" altLang="ko-KR" dirty="0" err="1" smtClean="0"/>
+              <a:t>bfs</a:t>
+            </a:r>
+            <a:r>
+              <a:rPr kumimoji="1" lang="ko-KR" altLang="en-US" dirty="0" smtClean="0"/>
+              <a:t>를 통해 계산해둔다</a:t>
+            </a:r>
+            <a:r>
+              <a:rPr kumimoji="1" lang="en-US" altLang="ko-KR" dirty="0" smtClean="0"/>
+              <a:t>. </a:t>
+            </a:r>
+            <a:br>
+              <a:rPr kumimoji="1" lang="en-US" altLang="ko-KR" dirty="0" smtClean="0"/>
+            </a:br>
+            <a:r>
+              <a:rPr kumimoji="1" lang="en-US" altLang="ko-KR" dirty="0" smtClean="0"/>
+              <a:t>-&gt; </a:t>
             </a:r>
             <a:r>
               <a:rPr lang="en-US" altLang="ko-KR" dirty="0" err="1" smtClean="0"/>
-              <a:t>i</a:t>
-            </a:r>
-            <a:r>
-              <a:rPr lang="en-US" altLang="ko-KR" dirty="0" smtClean="0"/>
-              <a:t>, j</a:t>
-            </a:r>
-            <a:endParaRPr lang="cs-CZ" altLang="ko-KR" dirty="0"/>
+              <a:t>toSort</a:t>
+            </a:r>
+            <a:endParaRPr kumimoji="1" lang="en-US" altLang="ko-KR" dirty="0" smtClean="0"/>
+          </a:p>
+          <a:p>
+            <a:endParaRPr kumimoji="1" lang="en-US" altLang="ko-KR" dirty="0" smtClean="0"/>
+          </a:p>
+          <a:p>
+            <a:r>
+              <a:rPr kumimoji="1" lang="en-US" altLang="ko-KR" dirty="0" smtClean="0"/>
+              <a:t>map </a:t>
+            </a:r>
+            <a:r>
+              <a:rPr kumimoji="1" lang="ko-KR" altLang="en-US" dirty="0" smtClean="0"/>
+              <a:t>에 특정</a:t>
+            </a:r>
+            <a:r>
+              <a:rPr kumimoji="1" lang="en-US" altLang="ko-KR" dirty="0"/>
+              <a:t> </a:t>
+            </a:r>
+            <a:r>
+              <a:rPr kumimoji="1" lang="en-US" altLang="ko-KR" dirty="0" smtClean="0"/>
+              <a:t>key</a:t>
+            </a:r>
+            <a:r>
+              <a:rPr kumimoji="1" lang="ko-KR" altLang="en-US" dirty="0" smtClean="0"/>
+              <a:t>가 있는지 알아내려면</a:t>
+            </a:r>
+            <a:r>
+              <a:rPr kumimoji="1" lang="en-US" altLang="ko-KR" dirty="0"/>
+              <a:t>	</a:t>
+            </a:r>
+            <a:endParaRPr kumimoji="1" lang="en-US" altLang="ko-KR" dirty="0" smtClean="0"/>
+          </a:p>
+          <a:p>
+            <a:r>
+              <a:rPr kumimoji="1" lang="en-US" altLang="ko-KR" dirty="0" err="1" smtClean="0"/>
+              <a:t>map.find</a:t>
+            </a:r>
+            <a:r>
+              <a:rPr kumimoji="1" lang="en-US" altLang="ko-KR" dirty="0" smtClean="0"/>
+              <a:t>(key)</a:t>
+            </a:r>
+          </a:p>
+          <a:p>
+            <a:pPr lvl="1"/>
+            <a:r>
+              <a:rPr kumimoji="1" lang="en-US" altLang="ko-KR" dirty="0" smtClean="0"/>
+              <a:t>key</a:t>
+            </a:r>
+            <a:r>
+              <a:rPr kumimoji="1" lang="ko-KR" altLang="en-US" dirty="0" smtClean="0"/>
+              <a:t> 를 찾으면 </a:t>
+            </a:r>
+            <a:r>
+              <a:rPr kumimoji="1" lang="en-US" altLang="ko-KR" dirty="0" smtClean="0"/>
+              <a:t>key iterator</a:t>
+            </a:r>
+            <a:r>
+              <a:rPr kumimoji="1" lang="ko-KR" altLang="en-US" dirty="0" smtClean="0"/>
+              <a:t> 반환</a:t>
+            </a:r>
+            <a:endParaRPr kumimoji="1" lang="en-US" altLang="ko-KR" dirty="0" smtClean="0"/>
+          </a:p>
+          <a:p>
+            <a:pPr lvl="1"/>
+            <a:r>
+              <a:rPr kumimoji="1" lang="en-US" altLang="ko-KR" dirty="0" smtClean="0"/>
+              <a:t>key</a:t>
+            </a:r>
+            <a:r>
+              <a:rPr kumimoji="1" lang="ko-KR" altLang="en-US" dirty="0" smtClean="0"/>
+              <a:t> 를 못찾으면 </a:t>
+            </a:r>
+            <a:r>
+              <a:rPr kumimoji="1" lang="en-US" altLang="ko-KR" dirty="0" smtClean="0"/>
+              <a:t>map::end</a:t>
+            </a:r>
+            <a:r>
+              <a:rPr kumimoji="1" lang="ko-KR" altLang="en-US" dirty="0" smtClean="0"/>
+              <a:t> 반환</a:t>
+            </a:r>
+            <a:endParaRPr kumimoji="1" lang="en-US" altLang="ko-KR" dirty="0"/>
+          </a:p>
+          <a:p>
+            <a:r>
+              <a:rPr kumimoji="1" lang="en-US" altLang="ko-KR" dirty="0" err="1" smtClean="0"/>
+              <a:t>map.count</a:t>
+            </a:r>
+            <a:r>
+              <a:rPr kumimoji="1" lang="en-US" altLang="ko-KR" dirty="0" smtClean="0"/>
+              <a:t>(key)</a:t>
+            </a:r>
+          </a:p>
+          <a:p>
+            <a:pPr lvl="1"/>
+            <a:r>
+              <a:rPr kumimoji="1" lang="ko-KR" altLang="en-US" dirty="0" smtClean="0"/>
+              <a:t>원소가 몇개인지 반환하는 함수지만 </a:t>
+            </a:r>
+            <a:r>
+              <a:rPr kumimoji="1" lang="en-US" altLang="ko-KR" dirty="0" smtClean="0"/>
+              <a:t>map</a:t>
+            </a:r>
+            <a:r>
+              <a:rPr kumimoji="1" lang="ko-KR" altLang="en-US" dirty="0" smtClean="0"/>
+              <a:t>은 중복을 허용하지 않으므로 </a:t>
+            </a:r>
+            <a:r>
+              <a:rPr kumimoji="1" lang="en-US" altLang="ko-KR" dirty="0" smtClean="0"/>
+              <a:t>key</a:t>
+            </a:r>
+            <a:r>
+              <a:rPr kumimoji="1" lang="ko-KR" altLang="en-US" dirty="0" smtClean="0"/>
+              <a:t> 가 존재하면 </a:t>
+            </a:r>
+            <a:r>
+              <a:rPr kumimoji="1" lang="en-US" altLang="ko-KR" dirty="0" smtClean="0"/>
+              <a:t>1,</a:t>
+            </a:r>
+            <a:r>
+              <a:rPr kumimoji="1" lang="ko-KR" altLang="en-US" dirty="0" smtClean="0"/>
+              <a:t> 존재하지 않으면 </a:t>
+            </a:r>
+            <a:r>
+              <a:rPr kumimoji="1" lang="en-US" altLang="ko-KR" dirty="0" smtClean="0"/>
+              <a:t>0</a:t>
+            </a:r>
+            <a:r>
+              <a:rPr kumimoji="1" lang="ko-KR" altLang="en-US" dirty="0" smtClean="0"/>
+              <a:t> 반환</a:t>
+            </a:r>
+            <a:endParaRPr kumimoji="1" lang="en-US" altLang="ko-KR" dirty="0" smtClean="0"/>
+          </a:p>
+          <a:p>
+            <a:endParaRPr kumimoji="1" lang="ko-KR" altLang="en-US" dirty="0"/>
           </a:p>
         </p:txBody>
       </p:sp>
     </p:spTree>
     <p:extLst>
       <p:ext uri="{BB962C8B-B14F-4D97-AF65-F5344CB8AC3E}">
-        <p14:creationId xmlns:p14="http://schemas.microsoft.com/office/powerpoint/2010/main" val="1263175698"/>
+        <p14:creationId xmlns:p14="http://schemas.microsoft.com/office/powerpoint/2010/main" val="261639446"/>
       </p:ext>
     </p:extLst>
   </p:cSld>
@@ -6338,56 +7492,158 @@
         </p:nvSpPr>
         <p:spPr/>
         <p:txBody>
-          <a:bodyPr/>
+          <a:bodyPr>
+            <a:normAutofit/>
+          </a:bodyPr>
           <a:lstStyle/>
           <a:p>
-            <a:r>
-              <a:rPr kumimoji="1" lang="en-US" altLang="ko-KR" dirty="0" smtClean="0"/>
-              <a:t>29.3</a:t>
-            </a:r>
-            <a:r>
-              <a:rPr kumimoji="1" lang="ko-KR" altLang="en-US" dirty="0" smtClean="0"/>
-              <a:t> 과 </a:t>
-            </a:r>
-            <a:r>
-              <a:rPr kumimoji="1" lang="en-US" altLang="ko-KR" dirty="0" smtClean="0"/>
-              <a:t>29.4</a:t>
-            </a:r>
-            <a:r>
-              <a:rPr kumimoji="1" lang="ko-KR" altLang="en-US" dirty="0" smtClean="0"/>
-              <a:t> 의 시간복잡도를 비교해봅시다</a:t>
-            </a:r>
-            <a:r>
-              <a:rPr kumimoji="1" lang="en-US" altLang="ko-KR" dirty="0" smtClean="0"/>
+            <a:pPr marL="0" marR="0" lvl="0" indent="0" defTabSz="914400" eaLnBrk="1" fontAlgn="auto" latinLnBrk="0" hangingPunct="1">
+              <a:lnSpc>
+                <a:spcPct val="70000"/>
+              </a:lnSpc>
+              <a:spcBef>
+                <a:spcPts val="0"/>
+              </a:spcBef>
+              <a:spcAft>
+                <a:spcPts val="0"/>
+              </a:spcAft>
+              <a:buClrTx/>
+              <a:buSzTx/>
+              <a:buFontTx/>
+              <a:buNone/>
+              <a:tabLst/>
+              <a:defRPr/>
+            </a:pPr>
+            <a:r>
+              <a:rPr lang="ko-KR" altLang="en-US" dirty="0" smtClean="0"/>
+              <a:t>뒤집기 연산을 직접 해봅시다</a:t>
+            </a:r>
+            <a:r>
+              <a:rPr lang="en-US" altLang="ko-KR" dirty="0" smtClean="0"/>
               <a:t>.</a:t>
             </a:r>
           </a:p>
           <a:p>
-            <a:endParaRPr kumimoji="1" lang="en-US" altLang="ko-KR" dirty="0" smtClean="0"/>
-          </a:p>
-          <a:p>
-            <a:endParaRPr kumimoji="1" lang="en-US" altLang="ko-KR" dirty="0" smtClean="0"/>
-          </a:p>
-          <a:p>
-            <a:r>
-              <a:rPr kumimoji="1" lang="en-US" altLang="ko-KR" dirty="0" smtClean="0"/>
-              <a:t>j = i+2</a:t>
-            </a:r>
-            <a:r>
-              <a:rPr kumimoji="1" lang="ko-KR" altLang="en-US" dirty="0" smtClean="0"/>
-              <a:t> 를 해주는 이유</a:t>
-            </a:r>
-            <a:endParaRPr kumimoji="1" lang="en-US" altLang="ko-KR" dirty="0" smtClean="0"/>
-          </a:p>
-          <a:p>
-            <a:endParaRPr kumimoji="1" lang="ko-KR" altLang="en-US" dirty="0"/>
+            <a:pPr marL="0" marR="0" lvl="0" indent="0" defTabSz="914400" eaLnBrk="1" fontAlgn="auto" latinLnBrk="0" hangingPunct="1">
+              <a:lnSpc>
+                <a:spcPct val="70000"/>
+              </a:lnSpc>
+              <a:spcBef>
+                <a:spcPts val="0"/>
+              </a:spcBef>
+              <a:spcAft>
+                <a:spcPts val="0"/>
+              </a:spcAft>
+              <a:buClrTx/>
+              <a:buSzTx/>
+              <a:buFontTx/>
+              <a:buNone/>
+              <a:tabLst/>
+              <a:defRPr/>
+            </a:pPr>
+            <a:endParaRPr lang="cs-CZ" altLang="ko-KR" dirty="0" smtClean="0"/>
+          </a:p>
+          <a:p>
+            <a:pPr marL="0" marR="0" lvl="0" indent="0" defTabSz="914400" eaLnBrk="1" fontAlgn="auto" latinLnBrk="0" hangingPunct="1">
+              <a:lnSpc>
+                <a:spcPct val="70000"/>
+              </a:lnSpc>
+              <a:spcBef>
+                <a:spcPts val="0"/>
+              </a:spcBef>
+              <a:spcAft>
+                <a:spcPts val="0"/>
+              </a:spcAft>
+              <a:buClrTx/>
+              <a:buSzTx/>
+              <a:buFontTx/>
+              <a:buNone/>
+              <a:tabLst/>
+              <a:defRPr/>
+            </a:pPr>
+            <a:endParaRPr lang="cs-CZ" altLang="ko-KR" dirty="0"/>
+          </a:p>
+          <a:p>
+            <a:pPr marL="0" marR="0" lvl="0" indent="0" defTabSz="914400" eaLnBrk="1" fontAlgn="auto" latinLnBrk="0" hangingPunct="1">
+              <a:lnSpc>
+                <a:spcPct val="70000"/>
+              </a:lnSpc>
+              <a:spcBef>
+                <a:spcPts val="0"/>
+              </a:spcBef>
+              <a:spcAft>
+                <a:spcPts val="0"/>
+              </a:spcAft>
+              <a:buClrTx/>
+              <a:buSzTx/>
+              <a:buFontTx/>
+              <a:buNone/>
+              <a:tabLst/>
+              <a:defRPr/>
+            </a:pPr>
+            <a:r>
+              <a:rPr lang="en-US" altLang="ko-KR" dirty="0" smtClean="0"/>
+              <a:t>Ex)  0 , 1, 2</a:t>
+            </a:r>
+          </a:p>
+          <a:p>
+            <a:pPr marL="0" marR="0" lvl="0" indent="0" defTabSz="914400" eaLnBrk="1" fontAlgn="auto" latinLnBrk="0" hangingPunct="1">
+              <a:lnSpc>
+                <a:spcPct val="70000"/>
+              </a:lnSpc>
+              <a:spcBef>
+                <a:spcPts val="0"/>
+              </a:spcBef>
+              <a:spcAft>
+                <a:spcPts val="0"/>
+              </a:spcAft>
+              <a:buClrTx/>
+              <a:buSzTx/>
+              <a:buFontTx/>
+              <a:buNone/>
+              <a:tabLst/>
+              <a:defRPr/>
+            </a:pPr>
+            <a:endParaRPr lang="cs-CZ" altLang="ko-KR" dirty="0" smtClean="0"/>
+          </a:p>
+          <a:p>
+            <a:pPr marL="0" marR="0" lvl="0" indent="0" defTabSz="914400" eaLnBrk="1" fontAlgn="auto" latinLnBrk="0" hangingPunct="1">
+              <a:lnSpc>
+                <a:spcPct val="70000"/>
+              </a:lnSpc>
+              <a:spcBef>
+                <a:spcPts val="0"/>
+              </a:spcBef>
+              <a:spcAft>
+                <a:spcPts val="0"/>
+              </a:spcAft>
+              <a:buClrTx/>
+              <a:buSzTx/>
+              <a:buFontTx/>
+              <a:buNone/>
+              <a:tabLst/>
+              <a:defRPr/>
+            </a:pPr>
+            <a:r>
+              <a:rPr lang="en-US" altLang="ko-KR" dirty="0" smtClean="0"/>
+              <a:t>cost, </a:t>
+            </a:r>
+            <a:r>
+              <a:rPr lang="en-US" altLang="ko-KR" dirty="0" err="1" smtClean="0"/>
+              <a:t>i</a:t>
+            </a:r>
+            <a:r>
+              <a:rPr lang="en-US" altLang="ko-KR" dirty="0" smtClean="0"/>
+              <a:t>, j</a:t>
+            </a:r>
+            <a:endParaRPr lang="cs-CZ" altLang="ko-KR" dirty="0"/>
           </a:p>
         </p:txBody>
       </p:sp>
     </p:spTree>
     <p:extLst>
       <p:ext uri="{BB962C8B-B14F-4D97-AF65-F5344CB8AC3E}">
-        <p14:creationId xmlns:p14="http://schemas.microsoft.com/office/powerpoint/2010/main" val="1753693335"/>
+        <p14:creationId xmlns:p14="http://schemas.microsoft.com/office/powerpoint/2010/main" val="1263175698"/>
       </p:ext>
     </p:extLst>
   </p:cSld>
@@ -6429,7 +7685,122 @@
           <a:bodyPr/>
           <a:lstStyle/>
           <a:p>
-            <a:endParaRPr kumimoji="1" lang="ko-KR" altLang="en-US"/>
+            <a:r>
+              <a:rPr kumimoji="1" lang="en-US" altLang="ko-KR" dirty="0" smtClean="0"/>
+              <a:t>sort game</a:t>
+            </a:r>
+            <a:endParaRPr kumimoji="1" lang="ko-KR" altLang="en-US" dirty="0"/>
+          </a:p>
+        </p:txBody>
+      </p:sp>
+      <p:sp>
+        <p:nvSpPr>
+          <p:cNvPr id="3" name="내용 개체 틀 2"/>
+          <p:cNvSpPr>
+            <a:spLocks noGrp="1"/>
+          </p:cNvSpPr>
+          <p:nvPr>
+            <p:ph idx="1"/>
+          </p:nvPr>
+        </p:nvSpPr>
+        <p:spPr/>
+        <p:txBody>
+          <a:bodyPr/>
+          <a:lstStyle/>
+          <a:p>
+            <a:r>
+              <a:rPr kumimoji="1" lang="en-US" altLang="ko-KR" dirty="0" smtClean="0"/>
+              <a:t>29.3</a:t>
+            </a:r>
+            <a:r>
+              <a:rPr kumimoji="1" lang="ko-KR" altLang="en-US" dirty="0" smtClean="0"/>
+              <a:t> 과 </a:t>
+            </a:r>
+            <a:r>
+              <a:rPr kumimoji="1" lang="en-US" altLang="ko-KR" dirty="0" smtClean="0"/>
+              <a:t>29.4</a:t>
+            </a:r>
+            <a:r>
+              <a:rPr kumimoji="1" lang="ko-KR" altLang="en-US" dirty="0" smtClean="0"/>
+              <a:t> 의 시간복잡도를 비교해봅시다</a:t>
+            </a:r>
+            <a:r>
+              <a:rPr kumimoji="1" lang="en-US" altLang="ko-KR" dirty="0" smtClean="0"/>
+              <a:t>.</a:t>
+            </a:r>
+          </a:p>
+          <a:p>
+            <a:endParaRPr kumimoji="1" lang="en-US" altLang="ko-KR" dirty="0" smtClean="0"/>
+          </a:p>
+          <a:p>
+            <a:endParaRPr kumimoji="1" lang="en-US" altLang="ko-KR" dirty="0" smtClean="0"/>
+          </a:p>
+          <a:p>
+            <a:r>
+              <a:rPr kumimoji="1" lang="en-US" altLang="ko-KR" dirty="0" smtClean="0"/>
+              <a:t>j = i+2</a:t>
+            </a:r>
+            <a:r>
+              <a:rPr kumimoji="1" lang="ko-KR" altLang="en-US" dirty="0" smtClean="0"/>
+              <a:t> 를 해주는 이유</a:t>
+            </a:r>
+            <a:endParaRPr kumimoji="1" lang="en-US" altLang="ko-KR" dirty="0" smtClean="0"/>
+          </a:p>
+          <a:p>
+            <a:endParaRPr kumimoji="1" lang="ko-KR" altLang="en-US" dirty="0"/>
+          </a:p>
+        </p:txBody>
+      </p:sp>
+    </p:spTree>
+    <p:extLst>
+      <p:ext uri="{BB962C8B-B14F-4D97-AF65-F5344CB8AC3E}">
+        <p14:creationId xmlns:p14="http://schemas.microsoft.com/office/powerpoint/2010/main" val="1753693335"/>
+      </p:ext>
+    </p:extLst>
+  </p:cSld>
+  <p:clrMapOvr>
+    <a:masterClrMapping/>
+  </p:clrMapOvr>
+</p:sld>
+</file>
+
+<file path=ppt/slides/slide8.xml><?xml version="1.0" encoding="utf-8"?>
+<p:sld xmlns:a="http://schemas.openxmlformats.org/drawingml/2006/main" xmlns:r="http://schemas.openxmlformats.org/officeDocument/2006/relationships" xmlns:p="http://schemas.openxmlformats.org/presentationml/2006/main">
+  <p:cSld>
+    <p:spTree>
+      <p:nvGrpSpPr>
+        <p:cNvPr id="1" name=""/>
+        <p:cNvGrpSpPr/>
+        <p:nvPr/>
+      </p:nvGrpSpPr>
+      <p:grpSpPr>
+        <a:xfrm>
+          <a:off x="0" y="0"/>
+          <a:ext cx="0" cy="0"/>
+          <a:chOff x="0" y="0"/>
+          <a:chExt cx="0" cy="0"/>
+        </a:xfrm>
+      </p:grpSpPr>
+      <p:sp>
+        <p:nvSpPr>
+          <p:cNvPr id="2" name="제목 1"/>
+          <p:cNvSpPr>
+            <a:spLocks noGrp="1"/>
+          </p:cNvSpPr>
+          <p:nvPr>
+            <p:ph type="title"/>
+          </p:nvPr>
+        </p:nvSpPr>
+        <p:spPr/>
+        <p:txBody>
+          <a:bodyPr/>
+          <a:lstStyle/>
+          <a:p>
+            <a:r>
+              <a:rPr kumimoji="1" lang="ko-KR" altLang="en-US" dirty="0" smtClean="0"/>
+              <a:t>어린이날</a:t>
+            </a:r>
+            <a:endParaRPr kumimoji="1" lang="ko-KR" altLang="en-US" dirty="0"/>
           </a:p>
         </p:txBody>
       </p:sp>
@@ -6450,6 +7821,65 @@
           </a:bodyPr>
           <a:lstStyle/>
           <a:p>
+            <a:r>
+              <a:rPr lang="ko-KR" altLang="en-US" dirty="0" smtClean="0"/>
+              <a:t>다음을 만족하는 최소 자연수 </a:t>
+            </a:r>
+            <a:r>
+              <a:rPr lang="en-US" altLang="ko-KR" dirty="0" smtClean="0"/>
+              <a:t>C</a:t>
+            </a:r>
+            <a:r>
+              <a:rPr lang="ko-KR" altLang="en-US" dirty="0" smtClean="0"/>
+              <a:t> 찾기</a:t>
+            </a:r>
+            <a:endParaRPr lang="cs-CZ" altLang="ko-KR" dirty="0" smtClean="0"/>
+          </a:p>
+          <a:p>
+            <a:endParaRPr lang="cs-CZ" altLang="ko-KR" dirty="0" smtClean="0"/>
+          </a:p>
+          <a:p>
+            <a:pPr marL="514350" indent="-514350">
+              <a:buFont typeface="+mj-lt"/>
+              <a:buAutoNum type="arabicPeriod"/>
+            </a:pPr>
+            <a:r>
+              <a:rPr lang="cs-CZ" altLang="ko-KR" dirty="0" err="1" smtClean="0"/>
+              <a:t>n+m</a:t>
+            </a:r>
+            <a:r>
+              <a:rPr lang="cs-CZ" altLang="ko-KR" dirty="0" smtClean="0"/>
+              <a:t> </a:t>
+            </a:r>
+            <a:r>
+              <a:rPr lang="ko-KR" altLang="en-US" dirty="0" smtClean="0"/>
+              <a:t>이상</a:t>
+            </a:r>
+            <a:endParaRPr lang="en-US" altLang="ko-KR" dirty="0" smtClean="0"/>
+          </a:p>
+          <a:p>
+            <a:pPr marL="514350" indent="-514350">
+              <a:buFont typeface="+mj-lt"/>
+              <a:buAutoNum type="arabicPeriod"/>
+            </a:pPr>
+            <a:r>
+              <a:rPr lang="en-US" altLang="ko-KR" dirty="0" smtClean="0"/>
+              <a:t>C % n = m</a:t>
+            </a:r>
+          </a:p>
+          <a:p>
+            <a:pPr marL="514350" indent="-514350">
+              <a:buFont typeface="+mj-lt"/>
+              <a:buAutoNum type="arabicPeriod"/>
+            </a:pPr>
+            <a:r>
+              <a:rPr lang="en-US" altLang="ko-KR" dirty="0" smtClean="0"/>
+              <a:t>d </a:t>
+            </a:r>
+            <a:r>
+              <a:rPr lang="ko-KR" altLang="en-US" dirty="0" smtClean="0"/>
+              <a:t>에 포함된 숫자로만 구성</a:t>
+            </a:r>
             <a:endParaRPr lang="cs-CZ" altLang="ko-KR" dirty="0"/>
           </a:p>
         </p:txBody>
@@ -6458,6 +7888,179 @@
     <p:extLst>
       <p:ext uri="{BB962C8B-B14F-4D97-AF65-F5344CB8AC3E}">
         <p14:creationId xmlns:p14="http://schemas.microsoft.com/office/powerpoint/2010/main" val="1846793900"/>
+      </p:ext>
+    </p:extLst>
+  </p:cSld>
+  <p:clrMapOvr>
+    <a:masterClrMapping/>
+  </p:clrMapOvr>
+</p:sld>
+</file>
+
+<file path=ppt/slides/slide9.xml><?xml version="1.0" encoding="utf-8"?>
+<p:sld xmlns:a="http://schemas.openxmlformats.org/drawingml/2006/main" xmlns:r="http://schemas.openxmlformats.org/officeDocument/2006/relationships" xmlns:p="http://schemas.openxmlformats.org/presentationml/2006/main">
+  <p:cSld>
+    <p:spTree>
+      <p:nvGrpSpPr>
+        <p:cNvPr id="1" name=""/>
+        <p:cNvGrpSpPr/>
+        <p:nvPr/>
+      </p:nvGrpSpPr>
+      <p:grpSpPr>
+        <a:xfrm>
+          <a:off x="0" y="0"/>
+          <a:ext cx="0" cy="0"/>
+          <a:chOff x="0" y="0"/>
+          <a:chExt cx="0" cy="0"/>
+        </a:xfrm>
+      </p:grpSpPr>
+      <p:sp>
+        <p:nvSpPr>
+          <p:cNvPr id="2" name="제목 1"/>
+          <p:cNvSpPr>
+            <a:spLocks noGrp="1"/>
+          </p:cNvSpPr>
+          <p:nvPr>
+            <p:ph type="title"/>
+          </p:nvPr>
+        </p:nvSpPr>
+        <p:spPr/>
+        <p:txBody>
+          <a:bodyPr/>
+          <a:lstStyle/>
+          <a:p>
+            <a:r>
+              <a:rPr kumimoji="1" lang="ko-KR" altLang="en-US" dirty="0" smtClean="0"/>
+              <a:t>어린이날</a:t>
+            </a:r>
+            <a:endParaRPr kumimoji="1" lang="ko-KR" altLang="en-US" dirty="0"/>
+          </a:p>
+        </p:txBody>
+      </p:sp>
+      <p:sp>
+        <p:nvSpPr>
+          <p:cNvPr id="3" name="내용 개체 틀 2"/>
+          <p:cNvSpPr>
+            <a:spLocks noGrp="1"/>
+          </p:cNvSpPr>
+          <p:nvPr>
+            <p:ph idx="1"/>
+          </p:nvPr>
+        </p:nvSpPr>
+        <p:spPr/>
+        <p:txBody>
+          <a:bodyPr/>
+          <a:lstStyle/>
+          <a:p>
+            <a:r>
+              <a:rPr kumimoji="1" lang="en-US" altLang="ko-KR" dirty="0" smtClean="0"/>
+              <a:t>(3)</a:t>
+            </a:r>
+            <a:r>
+              <a:rPr kumimoji="1" lang="ko-KR" altLang="en-US" dirty="0" smtClean="0"/>
+              <a:t> </a:t>
+            </a:r>
+            <a:r>
+              <a:rPr kumimoji="1" lang="en-US" altLang="ko-KR" dirty="0" smtClean="0"/>
+              <a:t>C </a:t>
+            </a:r>
+            <a:r>
+              <a:rPr kumimoji="1" lang="ko-KR" altLang="en-US" dirty="0" smtClean="0"/>
+              <a:t>를 만들어 가면서 </a:t>
+            </a:r>
+            <a:endParaRPr kumimoji="1" lang="en-US" altLang="ko-KR" dirty="0" smtClean="0"/>
+          </a:p>
+          <a:p>
+            <a:r>
+              <a:rPr kumimoji="1" lang="en-US" altLang="ko-KR" dirty="0" smtClean="0"/>
+              <a:t>(2)</a:t>
+            </a:r>
+            <a:r>
+              <a:rPr kumimoji="1" lang="ko-KR" altLang="en-US" dirty="0" smtClean="0"/>
+              <a:t> </a:t>
+            </a:r>
+            <a:r>
+              <a:rPr lang="en-US" altLang="ko-KR" dirty="0" smtClean="0"/>
+              <a:t>C % n = m</a:t>
+            </a:r>
+            <a:r>
+              <a:rPr lang="ko-KR" altLang="en-US" dirty="0" smtClean="0"/>
+              <a:t> 인지 체크한다</a:t>
+            </a:r>
+            <a:r>
+              <a:rPr lang="en-US" altLang="ko-KR" dirty="0" smtClean="0"/>
+              <a:t>.</a:t>
+            </a:r>
+          </a:p>
+          <a:p>
+            <a:endParaRPr kumimoji="1" lang="en-US" altLang="ko-KR" dirty="0" smtClean="0"/>
+          </a:p>
+          <a:p>
+            <a:r>
+              <a:rPr kumimoji="1" lang="en-US" altLang="ko-KR" dirty="0" smtClean="0"/>
+              <a:t>((c*10) + x) mod n == </a:t>
+            </a:r>
+            <a:r>
+              <a:rPr kumimoji="1" lang="en-US" altLang="ko-KR" dirty="0" smtClean="0"/>
+              <a:t>((</a:t>
+            </a:r>
+            <a:r>
+              <a:rPr kumimoji="1" lang="en-US" altLang="ko-KR" dirty="0" smtClean="0">
+                <a:solidFill>
+                  <a:srgbClr val="FF0000"/>
+                </a:solidFill>
+              </a:rPr>
+              <a:t>C mod n</a:t>
+            </a:r>
+            <a:r>
+              <a:rPr kumimoji="1" lang="en-US" altLang="ko-KR" dirty="0" smtClean="0"/>
+              <a:t>) * 10 + x) mod n</a:t>
+            </a:r>
+          </a:p>
+          <a:p>
+            <a:endParaRPr kumimoji="1" lang="en-US" altLang="ko-KR" dirty="0"/>
+          </a:p>
+          <a:p>
+            <a:r>
+              <a:rPr kumimoji="1" lang="ko-KR" altLang="en-US" dirty="0" smtClean="0"/>
+              <a:t>실제 </a:t>
+            </a:r>
+            <a:r>
+              <a:rPr kumimoji="1" lang="en-US" altLang="ko-KR" dirty="0" smtClean="0"/>
+              <a:t>C</a:t>
+            </a:r>
+            <a:r>
+              <a:rPr kumimoji="1" lang="ko-KR" altLang="en-US" dirty="0" smtClean="0"/>
+              <a:t> 가 아닌 </a:t>
+            </a:r>
+            <a:r>
+              <a:rPr kumimoji="1" lang="en-US" altLang="ko-KR" dirty="0" smtClean="0"/>
+              <a:t>C % n</a:t>
+            </a:r>
+            <a:r>
+              <a:rPr kumimoji="1" lang="ko-KR" altLang="en-US" dirty="0" smtClean="0"/>
+              <a:t>을 이용해 </a:t>
+            </a:r>
+            <a:r>
+              <a:rPr kumimoji="1" lang="en-US" altLang="ko-KR" dirty="0" smtClean="0"/>
+              <a:t>C</a:t>
+            </a:r>
+            <a:r>
+              <a:rPr kumimoji="1" lang="ko-KR" altLang="en-US" dirty="0" smtClean="0"/>
+              <a:t>를 만들어 간다</a:t>
+            </a:r>
+            <a:r>
+              <a:rPr kumimoji="1" lang="en-US" altLang="ko-KR" dirty="0" smtClean="0"/>
+              <a:t>.</a:t>
+            </a:r>
+            <a:endParaRPr kumimoji="1" lang="ko-KR" altLang="en-US" dirty="0"/>
+          </a:p>
+        </p:txBody>
+      </p:sp>
+    </p:spTree>
+    <p:extLst>
+      <p:ext uri="{BB962C8B-B14F-4D97-AF65-F5344CB8AC3E}">
+        <p14:creationId xmlns:p14="http://schemas.microsoft.com/office/powerpoint/2010/main" val="874151821"/>
       </p:ext>
     </p:extLst>
   </p:cSld>
